--- a/doc/Presentation/Защита проекта_Шеламов Роман.pptx
+++ b/doc/Presentation/Защита проекта_Шеламов Роман.pptx
@@ -5,7 +5,7 @@
     <p:sldMasterId id="2147483675" r:id="rId1"/>
   </p:sldMasterIdLst>
   <p:notesMasterIdLst>
-    <p:notesMasterId r:id="rId17"/>
+    <p:notesMasterId r:id="rId19"/>
   </p:notesMasterIdLst>
   <p:sldIdLst>
     <p:sldId id="256" r:id="rId2"/>
@@ -16,23 +16,25 @@
     <p:sldId id="261" r:id="rId7"/>
     <p:sldId id="262" r:id="rId8"/>
     <p:sldId id="263" r:id="rId9"/>
-    <p:sldId id="264" r:id="rId10"/>
-    <p:sldId id="275" r:id="rId11"/>
-    <p:sldId id="276" r:id="rId12"/>
-    <p:sldId id="278" r:id="rId13"/>
-    <p:sldId id="277" r:id="rId14"/>
-    <p:sldId id="265" r:id="rId15"/>
-    <p:sldId id="266" r:id="rId16"/>
+    <p:sldId id="279" r:id="rId10"/>
+    <p:sldId id="281" r:id="rId11"/>
+    <p:sldId id="278" r:id="rId12"/>
+    <p:sldId id="277" r:id="rId13"/>
+    <p:sldId id="280" r:id="rId14"/>
+    <p:sldId id="264" r:id="rId15"/>
+    <p:sldId id="275" r:id="rId16"/>
+    <p:sldId id="265" r:id="rId17"/>
+    <p:sldId id="266" r:id="rId18"/>
   </p:sldIdLst>
   <p:sldSz cx="9144000" cy="6858000" type="screen4x3"/>
   <p:notesSz cx="6858000" cy="9144000"/>
   <p:embeddedFontLst>
     <p:embeddedFont>
       <p:font typeface="Roboto" panose="020B0604020202020204" charset="0"/>
-      <p:regular r:id="rId18"/>
-      <p:bold r:id="rId19"/>
-      <p:italic r:id="rId20"/>
-      <p:boldItalic r:id="rId21"/>
+      <p:regular r:id="rId20"/>
+      <p:bold r:id="rId21"/>
+      <p:italic r:id="rId22"/>
+      <p:boldItalic r:id="rId23"/>
     </p:embeddedFont>
   </p:embeddedFontLst>
   <p:defaultTextStyle>
@@ -843,7 +845,7 @@
   <p:cSld>
     <p:spTree>
       <p:nvGrpSpPr>
-        <p:cNvPr id="1" name="Shape 192"/>
+        <p:cNvPr id="1" name="Shape 185"/>
         <p:cNvGrpSpPr/>
         <p:nvPr/>
       </p:nvGrpSpPr>
@@ -857,7 +859,7 @@
       </p:grpSpPr>
       <p:sp>
         <p:nvSpPr>
-          <p:cNvPr id="193" name="Google Shape;193;gdf29b9fb24_0_85:notes"/>
+          <p:cNvPr id="186" name="Google Shape;186;gdf29b9fb24_0_69:notes"/>
           <p:cNvSpPr>
             <a:spLocks noGrp="1" noRot="1" noChangeAspect="1"/>
           </p:cNvSpPr>
@@ -898,7 +900,7 @@
       </p:sp>
       <p:sp>
         <p:nvSpPr>
-          <p:cNvPr id="194" name="Google Shape;194;gdf29b9fb24_0_85:notes"/>
+          <p:cNvPr id="187" name="Google Shape;187;gdf29b9fb24_0_69:notes"/>
           <p:cNvSpPr txBox="1">
             <a:spLocks noGrp="1"/>
           </p:cNvSpPr>
@@ -937,7 +939,7 @@
     </p:spTree>
     <p:extLst>
       <p:ext uri="{BB962C8B-B14F-4D97-AF65-F5344CB8AC3E}">
-        <p14:creationId xmlns:p14="http://schemas.microsoft.com/office/powerpoint/2010/main" val="1511637976"/>
+        <p14:creationId xmlns:p14="http://schemas.microsoft.com/office/powerpoint/2010/main" val="1704484022"/>
       </p:ext>
     </p:extLst>
   </p:cSld>
@@ -1046,7 +1048,7 @@
     </p:spTree>
     <p:extLst>
       <p:ext uri="{BB962C8B-B14F-4D97-AF65-F5344CB8AC3E}">
-        <p14:creationId xmlns:p14="http://schemas.microsoft.com/office/powerpoint/2010/main" val="1300454240"/>
+        <p14:creationId xmlns:p14="http://schemas.microsoft.com/office/powerpoint/2010/main" val="3481478987"/>
       </p:ext>
     </p:extLst>
   </p:cSld>
@@ -1155,7 +1157,7 @@
     </p:spTree>
     <p:extLst>
       <p:ext uri="{BB962C8B-B14F-4D97-AF65-F5344CB8AC3E}">
-        <p14:creationId xmlns:p14="http://schemas.microsoft.com/office/powerpoint/2010/main" val="3481478987"/>
+        <p14:creationId xmlns:p14="http://schemas.microsoft.com/office/powerpoint/2010/main" val="1352163740"/>
       </p:ext>
     </p:extLst>
   </p:cSld>
@@ -1166,6 +1168,115 @@
 </file>
 
 <file path=ppt/notesSlides/notesSlide13.xml><?xml version="1.0" encoding="utf-8"?>
+<p:notes xmlns:a="http://schemas.openxmlformats.org/drawingml/2006/main" xmlns:r="http://schemas.openxmlformats.org/officeDocument/2006/relationships" xmlns:p="http://schemas.openxmlformats.org/presentationml/2006/main" showMasterSp="0" showMasterPhAnim="0">
+  <p:cSld>
+    <p:spTree>
+      <p:nvGrpSpPr>
+        <p:cNvPr id="1" name="Shape 185"/>
+        <p:cNvGrpSpPr/>
+        <p:nvPr/>
+      </p:nvGrpSpPr>
+      <p:grpSpPr>
+        <a:xfrm>
+          <a:off x="0" y="0"/>
+          <a:ext cx="0" cy="0"/>
+          <a:chOff x="0" y="0"/>
+          <a:chExt cx="0" cy="0"/>
+        </a:xfrm>
+      </p:grpSpPr>
+      <p:sp>
+        <p:nvSpPr>
+          <p:cNvPr id="186" name="Google Shape;186;gdf29b9fb24_0_69:notes"/>
+          <p:cNvSpPr>
+            <a:spLocks noGrp="1" noRot="1" noChangeAspect="1"/>
+          </p:cNvSpPr>
+          <p:nvPr>
+            <p:ph type="sldImg" idx="2"/>
+          </p:nvPr>
+        </p:nvSpPr>
+        <p:spPr>
+          <a:xfrm>
+            <a:off x="1143000" y="685800"/>
+            <a:ext cx="4572000" cy="3429000"/>
+          </a:xfrm>
+          <a:custGeom>
+            <a:avLst/>
+            <a:gdLst/>
+            <a:ahLst/>
+            <a:cxnLst/>
+            <a:rect l="l" t="t" r="r" b="b"/>
+            <a:pathLst>
+              <a:path w="120000" h="120000" extrusionOk="0">
+                <a:moveTo>
+                  <a:pt x="0" y="0"/>
+                </a:moveTo>
+                <a:lnTo>
+                  <a:pt x="120000" y="0"/>
+                </a:lnTo>
+                <a:lnTo>
+                  <a:pt x="120000" y="120000"/>
+                </a:lnTo>
+                <a:lnTo>
+                  <a:pt x="0" y="120000"/>
+                </a:lnTo>
+                <a:close/>
+              </a:path>
+            </a:pathLst>
+          </a:custGeom>
+        </p:spPr>
+      </p:sp>
+      <p:sp>
+        <p:nvSpPr>
+          <p:cNvPr id="187" name="Google Shape;187;gdf29b9fb24_0_69:notes"/>
+          <p:cNvSpPr txBox="1">
+            <a:spLocks noGrp="1"/>
+          </p:cNvSpPr>
+          <p:nvPr>
+            <p:ph type="body" idx="1"/>
+          </p:nvPr>
+        </p:nvSpPr>
+        <p:spPr>
+          <a:xfrm>
+            <a:off x="685800" y="4343400"/>
+            <a:ext cx="5486400" cy="4114800"/>
+          </a:xfrm>
+          <a:prstGeom prst="rect">
+            <a:avLst/>
+          </a:prstGeom>
+        </p:spPr>
+        <p:txBody>
+          <a:bodyPr spcFirstLastPara="1" wrap="square" lIns="91425" tIns="91425" rIns="91425" bIns="91425" anchor="t" anchorCtr="0">
+            <a:noAutofit/>
+          </a:bodyPr>
+          <a:lstStyle/>
+          <a:p>
+            <a:pPr marL="0" lvl="0" indent="0" algn="l" rtl="0">
+              <a:spcBef>
+                <a:spcPts val="0"/>
+              </a:spcBef>
+              <a:spcAft>
+                <a:spcPts val="0"/>
+              </a:spcAft>
+              <a:buNone/>
+            </a:pPr>
+            <a:endParaRPr/>
+          </a:p>
+        </p:txBody>
+      </p:sp>
+    </p:spTree>
+    <p:extLst>
+      <p:ext uri="{BB962C8B-B14F-4D97-AF65-F5344CB8AC3E}">
+        <p14:creationId xmlns:p14="http://schemas.microsoft.com/office/powerpoint/2010/main" val="3591712435"/>
+      </p:ext>
+    </p:extLst>
+  </p:cSld>
+  <p:clrMapOvr>
+    <a:masterClrMapping/>
+  </p:clrMapOvr>
+</p:notes>
+</file>
+
+<file path=ppt/notesSlides/notesSlide14.xml><?xml version="1.0" encoding="utf-8"?>
 <p:notes xmlns:a="http://schemas.openxmlformats.org/drawingml/2006/main" xmlns:r="http://schemas.openxmlformats.org/officeDocument/2006/relationships" xmlns:p="http://schemas.openxmlformats.org/presentationml/2006/main" showMasterSp="0" showMasterPhAnim="0">
   <p:cSld>
     <p:spTree>
@@ -1262,9 +1373,113 @@
         </p:txBody>
       </p:sp>
     </p:spTree>
+  </p:cSld>
+  <p:clrMapOvr>
+    <a:masterClrMapping/>
+  </p:clrMapOvr>
+</p:notes>
+</file>
+
+<file path=ppt/notesSlides/notesSlide15.xml><?xml version="1.0" encoding="utf-8"?>
+<p:notes xmlns:a="http://schemas.openxmlformats.org/drawingml/2006/main" xmlns:r="http://schemas.openxmlformats.org/officeDocument/2006/relationships" xmlns:p="http://schemas.openxmlformats.org/presentationml/2006/main" showMasterSp="0" showMasterPhAnim="0">
+  <p:cSld>
+    <p:spTree>
+      <p:nvGrpSpPr>
+        <p:cNvPr id="1" name="Shape 192"/>
+        <p:cNvGrpSpPr/>
+        <p:nvPr/>
+      </p:nvGrpSpPr>
+      <p:grpSpPr>
+        <a:xfrm>
+          <a:off x="0" y="0"/>
+          <a:ext cx="0" cy="0"/>
+          <a:chOff x="0" y="0"/>
+          <a:chExt cx="0" cy="0"/>
+        </a:xfrm>
+      </p:grpSpPr>
+      <p:sp>
+        <p:nvSpPr>
+          <p:cNvPr id="193" name="Google Shape;193;gdf29b9fb24_0_85:notes"/>
+          <p:cNvSpPr>
+            <a:spLocks noGrp="1" noRot="1" noChangeAspect="1"/>
+          </p:cNvSpPr>
+          <p:nvPr>
+            <p:ph type="sldImg" idx="2"/>
+          </p:nvPr>
+        </p:nvSpPr>
+        <p:spPr>
+          <a:xfrm>
+            <a:off x="1143000" y="685800"/>
+            <a:ext cx="4572000" cy="3429000"/>
+          </a:xfrm>
+          <a:custGeom>
+            <a:avLst/>
+            <a:gdLst/>
+            <a:ahLst/>
+            <a:cxnLst/>
+            <a:rect l="l" t="t" r="r" b="b"/>
+            <a:pathLst>
+              <a:path w="120000" h="120000" extrusionOk="0">
+                <a:moveTo>
+                  <a:pt x="0" y="0"/>
+                </a:moveTo>
+                <a:lnTo>
+                  <a:pt x="120000" y="0"/>
+                </a:lnTo>
+                <a:lnTo>
+                  <a:pt x="120000" y="120000"/>
+                </a:lnTo>
+                <a:lnTo>
+                  <a:pt x="0" y="120000"/>
+                </a:lnTo>
+                <a:close/>
+              </a:path>
+            </a:pathLst>
+          </a:custGeom>
+        </p:spPr>
+      </p:sp>
+      <p:sp>
+        <p:nvSpPr>
+          <p:cNvPr id="194" name="Google Shape;194;gdf29b9fb24_0_85:notes"/>
+          <p:cNvSpPr txBox="1">
+            <a:spLocks noGrp="1"/>
+          </p:cNvSpPr>
+          <p:nvPr>
+            <p:ph type="body" idx="1"/>
+          </p:nvPr>
+        </p:nvSpPr>
+        <p:spPr>
+          <a:xfrm>
+            <a:off x="685800" y="4343400"/>
+            <a:ext cx="5486400" cy="4114800"/>
+          </a:xfrm>
+          <a:prstGeom prst="rect">
+            <a:avLst/>
+          </a:prstGeom>
+        </p:spPr>
+        <p:txBody>
+          <a:bodyPr spcFirstLastPara="1" wrap="square" lIns="91425" tIns="91425" rIns="91425" bIns="91425" anchor="t" anchorCtr="0">
+            <a:noAutofit/>
+          </a:bodyPr>
+          <a:lstStyle/>
+          <a:p>
+            <a:pPr marL="0" lvl="0" indent="0" algn="l" rtl="0">
+              <a:spcBef>
+                <a:spcPts val="0"/>
+              </a:spcBef>
+              <a:spcAft>
+                <a:spcPts val="0"/>
+              </a:spcAft>
+              <a:buNone/>
+            </a:pPr>
+            <a:endParaRPr/>
+          </a:p>
+        </p:txBody>
+      </p:sp>
+    </p:spTree>
     <p:extLst>
       <p:ext uri="{BB962C8B-B14F-4D97-AF65-F5344CB8AC3E}">
-        <p14:creationId xmlns:p14="http://schemas.microsoft.com/office/powerpoint/2010/main" val="1352163740"/>
+        <p14:creationId xmlns:p14="http://schemas.microsoft.com/office/powerpoint/2010/main" val="1511637976"/>
       </p:ext>
     </p:extLst>
   </p:cSld>
@@ -1274,7 +1489,7 @@
 </p:notes>
 </file>
 
-<file path=ppt/notesSlides/notesSlide14.xml><?xml version="1.0" encoding="utf-8"?>
+<file path=ppt/notesSlides/notesSlide16.xml><?xml version="1.0" encoding="utf-8"?>
 <p:notes xmlns:a="http://schemas.openxmlformats.org/drawingml/2006/main" xmlns:r="http://schemas.openxmlformats.org/officeDocument/2006/relationships" xmlns:p="http://schemas.openxmlformats.org/presentationml/2006/main" showMasterSp="0" showMasterPhAnim="0">
   <p:cSld>
     <p:spTree>
@@ -1378,7 +1593,7 @@
 </p:notes>
 </file>
 
-<file path=ppt/notesSlides/notesSlide15.xml><?xml version="1.0" encoding="utf-8"?>
+<file path=ppt/notesSlides/notesSlide17.xml><?xml version="1.0" encoding="utf-8"?>
 <p:notes xmlns:a="http://schemas.openxmlformats.org/drawingml/2006/main" xmlns:r="http://schemas.openxmlformats.org/officeDocument/2006/relationships" xmlns:p="http://schemas.openxmlformats.org/presentationml/2006/main" showMasterSp="0" showMasterPhAnim="0">
   <p:cSld>
     <p:spTree>
@@ -2215,7 +2430,7 @@
   <p:cSld>
     <p:spTree>
       <p:nvGrpSpPr>
-        <p:cNvPr id="1" name="Shape 192"/>
+        <p:cNvPr id="1" name="Shape 185"/>
         <p:cNvGrpSpPr/>
         <p:nvPr/>
       </p:nvGrpSpPr>
@@ -2229,7 +2444,7 @@
       </p:grpSpPr>
       <p:sp>
         <p:nvSpPr>
-          <p:cNvPr id="193" name="Google Shape;193;gdf29b9fb24_0_85:notes"/>
+          <p:cNvPr id="186" name="Google Shape;186;gdf29b9fb24_0_69:notes"/>
           <p:cNvSpPr>
             <a:spLocks noGrp="1" noRot="1" noChangeAspect="1"/>
           </p:cNvSpPr>
@@ -2270,7 +2485,7 @@
       </p:sp>
       <p:sp>
         <p:nvSpPr>
-          <p:cNvPr id="194" name="Google Shape;194;gdf29b9fb24_0_85:notes"/>
+          <p:cNvPr id="187" name="Google Shape;187;gdf29b9fb24_0_69:notes"/>
           <p:cNvSpPr txBox="1">
             <a:spLocks noGrp="1"/>
           </p:cNvSpPr>
@@ -2307,6 +2522,11 @@
         </p:txBody>
       </p:sp>
     </p:spTree>
+    <p:extLst>
+      <p:ext uri="{BB962C8B-B14F-4D97-AF65-F5344CB8AC3E}">
+        <p14:creationId xmlns:p14="http://schemas.microsoft.com/office/powerpoint/2010/main" val="1493997227"/>
+      </p:ext>
+    </p:extLst>
   </p:cSld>
   <p:clrMapOvr>
     <a:masterClrMapping/>
@@ -9946,6 +10166,1245 @@
   <p:cSld>
     <p:spTree>
       <p:nvGrpSpPr>
+        <p:cNvPr id="1" name="Shape 188"/>
+        <p:cNvGrpSpPr/>
+        <p:nvPr/>
+      </p:nvGrpSpPr>
+      <p:grpSpPr>
+        <a:xfrm>
+          <a:off x="0" y="0"/>
+          <a:ext cx="0" cy="0"/>
+          <a:chOff x="0" y="0"/>
+          <a:chExt cx="0" cy="0"/>
+        </a:xfrm>
+      </p:grpSpPr>
+      <p:sp>
+        <p:nvSpPr>
+          <p:cNvPr id="189" name="Google Shape;189;p37"/>
+          <p:cNvSpPr txBox="1">
+            <a:spLocks noGrp="1"/>
+          </p:cNvSpPr>
+          <p:nvPr>
+            <p:ph type="title"/>
+          </p:nvPr>
+        </p:nvSpPr>
+        <p:spPr>
+          <a:xfrm>
+            <a:off x="500550" y="440981"/>
+            <a:ext cx="8520600" cy="1306200"/>
+          </a:xfrm>
+          <a:prstGeom prst="rect">
+            <a:avLst/>
+          </a:prstGeom>
+        </p:spPr>
+        <p:txBody>
+          <a:bodyPr spcFirstLastPara="1" wrap="square" lIns="91425" tIns="91425" rIns="91425" bIns="91425" anchor="t" anchorCtr="0">
+            <a:noAutofit/>
+          </a:bodyPr>
+          <a:lstStyle/>
+          <a:p>
+            <a:pPr marL="0" lvl="0" indent="0" algn="l" rtl="0">
+              <a:spcBef>
+                <a:spcPts val="0"/>
+              </a:spcBef>
+              <a:spcAft>
+                <a:spcPts val="0"/>
+              </a:spcAft>
+              <a:buNone/>
+            </a:pPr>
+            <a:r>
+              <a:rPr lang="ru" dirty="0"/>
+              <a:t>Что получилось</a:t>
+            </a:r>
+            <a:endParaRPr dirty="0"/>
+          </a:p>
+        </p:txBody>
+      </p:sp>
+      <p:sp>
+        <p:nvSpPr>
+          <p:cNvPr id="190" name="Google Shape;190;p37"/>
+          <p:cNvSpPr txBox="1">
+            <a:spLocks noGrp="1"/>
+          </p:cNvSpPr>
+          <p:nvPr>
+            <p:ph type="body" idx="1"/>
+          </p:nvPr>
+        </p:nvSpPr>
+        <p:spPr>
+          <a:xfrm>
+            <a:off x="500549" y="1129004"/>
+            <a:ext cx="8055621" cy="618178"/>
+          </a:xfrm>
+          <a:prstGeom prst="rect">
+            <a:avLst/>
+          </a:prstGeom>
+        </p:spPr>
+        <p:txBody>
+          <a:bodyPr spcFirstLastPara="1" wrap="square" lIns="91425" tIns="91425" rIns="91425" bIns="91425" anchor="t" anchorCtr="0">
+            <a:normAutofit/>
+          </a:bodyPr>
+          <a:lstStyle/>
+          <a:p>
+            <a:pPr marL="120650" indent="0">
+              <a:lnSpc>
+                <a:spcPct val="100000"/>
+              </a:lnSpc>
+              <a:spcBef>
+                <a:spcPts val="0"/>
+              </a:spcBef>
+              <a:buNone/>
+            </a:pPr>
+            <a:r>
+              <a:rPr lang="ru-RU" dirty="0"/>
+              <a:t>Подсистема спецификаций продаж</a:t>
+            </a:r>
+            <a:endParaRPr lang="en-US" dirty="0"/>
+          </a:p>
+          <a:p>
+            <a:pPr marL="120650" lvl="0" indent="0">
+              <a:lnSpc>
+                <a:spcPct val="100000"/>
+              </a:lnSpc>
+              <a:spcBef>
+                <a:spcPts val="0"/>
+              </a:spcBef>
+              <a:buNone/>
+            </a:pPr>
+            <a:endParaRPr dirty="0"/>
+          </a:p>
+        </p:txBody>
+      </p:sp>
+      <p:pic>
+        <p:nvPicPr>
+          <p:cNvPr id="4" name="Рисунок 3">
+            <a:extLst>
+              <a:ext uri="{FF2B5EF4-FFF2-40B4-BE49-F238E27FC236}">
+                <a16:creationId xmlns:a16="http://schemas.microsoft.com/office/drawing/2014/main" id="{E6C7E799-F6DE-4D52-945A-8D8CB18A47A7}"/>
+              </a:ext>
+            </a:extLst>
+          </p:cNvPr>
+          <p:cNvPicPr>
+            <a:picLocks noChangeAspect="1"/>
+          </p:cNvPicPr>
+          <p:nvPr/>
+        </p:nvPicPr>
+        <p:blipFill>
+          <a:blip r:embed="rId3"/>
+          <a:stretch>
+            <a:fillRect/>
+          </a:stretch>
+        </p:blipFill>
+        <p:spPr>
+          <a:xfrm>
+            <a:off x="721013" y="1612276"/>
+            <a:ext cx="4270865" cy="2485655"/>
+          </a:xfrm>
+          <a:prstGeom prst="rect">
+            <a:avLst/>
+          </a:prstGeom>
+        </p:spPr>
+      </p:pic>
+      <p:pic>
+        <p:nvPicPr>
+          <p:cNvPr id="5" name="Рисунок 4">
+            <a:extLst>
+              <a:ext uri="{FF2B5EF4-FFF2-40B4-BE49-F238E27FC236}">
+                <a16:creationId xmlns:a16="http://schemas.microsoft.com/office/drawing/2014/main" id="{DF963CDC-3932-410C-8C5A-4858B6E7339D}"/>
+              </a:ext>
+            </a:extLst>
+          </p:cNvPr>
+          <p:cNvPicPr>
+            <a:picLocks noChangeAspect="1"/>
+          </p:cNvPicPr>
+          <p:nvPr/>
+        </p:nvPicPr>
+        <p:blipFill>
+          <a:blip r:embed="rId4"/>
+          <a:stretch>
+            <a:fillRect/>
+          </a:stretch>
+        </p:blipFill>
+        <p:spPr>
+          <a:xfrm>
+            <a:off x="1437310" y="2855103"/>
+            <a:ext cx="7324133" cy="3463944"/>
+          </a:xfrm>
+          <a:prstGeom prst="rect">
+            <a:avLst/>
+          </a:prstGeom>
+        </p:spPr>
+      </p:pic>
+    </p:spTree>
+    <p:extLst>
+      <p:ext uri="{BB962C8B-B14F-4D97-AF65-F5344CB8AC3E}">
+        <p14:creationId xmlns:p14="http://schemas.microsoft.com/office/powerpoint/2010/main" val="3004966060"/>
+      </p:ext>
+    </p:extLst>
+  </p:cSld>
+  <p:clrMapOvr>
+    <a:masterClrMapping/>
+  </p:clrMapOvr>
+</p:sld>
+</file>
+
+<file path=ppt/slides/slide11.xml><?xml version="1.0" encoding="utf-8"?>
+<p:sld xmlns:a="http://schemas.openxmlformats.org/drawingml/2006/main" xmlns:r="http://schemas.openxmlformats.org/officeDocument/2006/relationships" xmlns:p="http://schemas.openxmlformats.org/presentationml/2006/main">
+  <p:cSld>
+    <p:spTree>
+      <p:nvGrpSpPr>
+        <p:cNvPr id="1" name="Shape 195"/>
+        <p:cNvGrpSpPr/>
+        <p:nvPr/>
+      </p:nvGrpSpPr>
+      <p:grpSpPr>
+        <a:xfrm>
+          <a:off x="0" y="0"/>
+          <a:ext cx="0" cy="0"/>
+          <a:chOff x="0" y="0"/>
+          <a:chExt cx="0" cy="0"/>
+        </a:xfrm>
+      </p:grpSpPr>
+      <p:sp>
+        <p:nvSpPr>
+          <p:cNvPr id="196" name="Google Shape;196;p38"/>
+          <p:cNvSpPr txBox="1">
+            <a:spLocks noGrp="1"/>
+          </p:cNvSpPr>
+          <p:nvPr>
+            <p:ph type="title"/>
+          </p:nvPr>
+        </p:nvSpPr>
+        <p:spPr>
+          <a:xfrm>
+            <a:off x="500550" y="440981"/>
+            <a:ext cx="8520600" cy="809321"/>
+          </a:xfrm>
+          <a:prstGeom prst="rect">
+            <a:avLst/>
+          </a:prstGeom>
+        </p:spPr>
+        <p:txBody>
+          <a:bodyPr spcFirstLastPara="1" wrap="square" lIns="91425" tIns="91425" rIns="91425" bIns="91425" anchor="t" anchorCtr="0">
+            <a:noAutofit/>
+          </a:bodyPr>
+          <a:lstStyle/>
+          <a:p>
+            <a:pPr lvl="0">
+              <a:buSzPts val="1100"/>
+            </a:pPr>
+            <a:r>
+              <a:rPr lang="ru" dirty="0"/>
+              <a:t>Что получилось</a:t>
+            </a:r>
+            <a:endParaRPr dirty="0"/>
+          </a:p>
+        </p:txBody>
+      </p:sp>
+      <p:pic>
+        <p:nvPicPr>
+          <p:cNvPr id="6" name="Рисунок 5">
+            <a:extLst>
+              <a:ext uri="{FF2B5EF4-FFF2-40B4-BE49-F238E27FC236}">
+                <a16:creationId xmlns:a16="http://schemas.microsoft.com/office/drawing/2014/main" id="{DBBC7429-95D7-4B4C-B525-7DC0D0DC175F}"/>
+              </a:ext>
+            </a:extLst>
+          </p:cNvPr>
+          <p:cNvPicPr>
+            <a:picLocks noChangeAspect="1"/>
+          </p:cNvPicPr>
+          <p:nvPr/>
+        </p:nvPicPr>
+        <p:blipFill>
+          <a:blip r:embed="rId3"/>
+          <a:stretch>
+            <a:fillRect/>
+          </a:stretch>
+        </p:blipFill>
+        <p:spPr>
+          <a:xfrm>
+            <a:off x="337829" y="1959385"/>
+            <a:ext cx="8683321" cy="3405761"/>
+          </a:xfrm>
+          <a:prstGeom prst="rect">
+            <a:avLst/>
+          </a:prstGeom>
+        </p:spPr>
+      </p:pic>
+      <p:sp>
+        <p:nvSpPr>
+          <p:cNvPr id="4" name="Google Shape;190;p37">
+            <a:extLst>
+              <a:ext uri="{FF2B5EF4-FFF2-40B4-BE49-F238E27FC236}">
+                <a16:creationId xmlns:a16="http://schemas.microsoft.com/office/drawing/2014/main" id="{E410496A-D044-4D33-BFEA-BCD4029784EA}"/>
+              </a:ext>
+            </a:extLst>
+          </p:cNvPr>
+          <p:cNvSpPr txBox="1">
+            <a:spLocks/>
+          </p:cNvSpPr>
+          <p:nvPr/>
+        </p:nvSpPr>
+        <p:spPr>
+          <a:xfrm>
+            <a:off x="500550" y="1183765"/>
+            <a:ext cx="8055621" cy="618178"/>
+          </a:xfrm>
+          <a:prstGeom prst="rect">
+            <a:avLst/>
+          </a:prstGeom>
+          <a:noFill/>
+          <a:ln>
+            <a:noFill/>
+          </a:ln>
+        </p:spPr>
+        <p:txBody>
+          <a:bodyPr spcFirstLastPara="1" wrap="square" lIns="91425" tIns="91425" rIns="91425" bIns="91425" anchor="t" anchorCtr="0">
+            <a:normAutofit/>
+          </a:bodyPr>
+          <a:lstStyle>
+            <a:defPPr marR="0" lvl="0" algn="l" rtl="0">
+              <a:lnSpc>
+                <a:spcPct val="100000"/>
+              </a:lnSpc>
+              <a:spcBef>
+                <a:spcPts val="0"/>
+              </a:spcBef>
+              <a:spcAft>
+                <a:spcPts val="0"/>
+              </a:spcAft>
+            </a:defPPr>
+            <a:lvl1pPr marL="457200" marR="0" lvl="0" indent="-336550" algn="l" rtl="0">
+              <a:lnSpc>
+                <a:spcPct val="115000"/>
+              </a:lnSpc>
+              <a:spcBef>
+                <a:spcPts val="0"/>
+              </a:spcBef>
+              <a:spcAft>
+                <a:spcPts val="0"/>
+              </a:spcAft>
+              <a:buClr>
+                <a:schemeClr val="dk1"/>
+              </a:buClr>
+              <a:buSzPts val="1500"/>
+              <a:buFont typeface="Courier New"/>
+              <a:buNone/>
+              <a:defRPr sz="1500" b="0" i="0" u="none" strike="noStrike" cap="none">
+                <a:solidFill>
+                  <a:schemeClr val="dk1"/>
+                </a:solidFill>
+                <a:latin typeface="Courier New"/>
+                <a:ea typeface="Courier New"/>
+                <a:cs typeface="Courier New"/>
+                <a:sym typeface="Courier New"/>
+              </a:defRPr>
+            </a:lvl1pPr>
+            <a:lvl2pPr marL="914400" marR="0" lvl="1" indent="-317500" algn="l" rtl="0">
+              <a:lnSpc>
+                <a:spcPct val="115000"/>
+              </a:lnSpc>
+              <a:spcBef>
+                <a:spcPts val="0"/>
+              </a:spcBef>
+              <a:spcAft>
+                <a:spcPts val="0"/>
+              </a:spcAft>
+              <a:buClr>
+                <a:schemeClr val="dk1"/>
+              </a:buClr>
+              <a:buSzPts val="1700"/>
+              <a:buFont typeface="Roboto"/>
+              <a:buNone/>
+              <a:defRPr sz="1700" b="0" i="0" u="none" strike="noStrike" cap="none">
+                <a:solidFill>
+                  <a:schemeClr val="dk1"/>
+                </a:solidFill>
+                <a:latin typeface="Roboto"/>
+                <a:ea typeface="Roboto"/>
+                <a:cs typeface="Roboto"/>
+                <a:sym typeface="Roboto"/>
+              </a:defRPr>
+            </a:lvl2pPr>
+            <a:lvl3pPr marL="1371600" marR="0" lvl="2" indent="-317500" algn="l" rtl="0">
+              <a:lnSpc>
+                <a:spcPct val="115000"/>
+              </a:lnSpc>
+              <a:spcBef>
+                <a:spcPts val="0"/>
+              </a:spcBef>
+              <a:spcAft>
+                <a:spcPts val="0"/>
+              </a:spcAft>
+              <a:buClr>
+                <a:schemeClr val="dk2"/>
+              </a:buClr>
+              <a:buSzPts val="1700"/>
+              <a:buFont typeface="Roboto"/>
+              <a:buNone/>
+              <a:defRPr sz="1700" b="0" i="0" u="none" strike="noStrike" cap="none">
+                <a:solidFill>
+                  <a:schemeClr val="dk2"/>
+                </a:solidFill>
+                <a:latin typeface="Roboto"/>
+                <a:ea typeface="Roboto"/>
+                <a:cs typeface="Roboto"/>
+                <a:sym typeface="Roboto"/>
+              </a:defRPr>
+            </a:lvl3pPr>
+            <a:lvl4pPr marL="1828800" marR="0" lvl="3" indent="-317500" algn="l" rtl="0">
+              <a:lnSpc>
+                <a:spcPct val="115000"/>
+              </a:lnSpc>
+              <a:spcBef>
+                <a:spcPts val="0"/>
+              </a:spcBef>
+              <a:spcAft>
+                <a:spcPts val="0"/>
+              </a:spcAft>
+              <a:buClr>
+                <a:schemeClr val="dk2"/>
+              </a:buClr>
+              <a:buSzPts val="1700"/>
+              <a:buFont typeface="Roboto"/>
+              <a:buNone/>
+              <a:defRPr sz="1700" b="0" i="0" u="none" strike="noStrike" cap="none">
+                <a:solidFill>
+                  <a:schemeClr val="dk2"/>
+                </a:solidFill>
+                <a:latin typeface="Roboto"/>
+                <a:ea typeface="Roboto"/>
+                <a:cs typeface="Roboto"/>
+                <a:sym typeface="Roboto"/>
+              </a:defRPr>
+            </a:lvl4pPr>
+            <a:lvl5pPr marL="2286000" marR="0" lvl="4" indent="-317500" algn="l" rtl="0">
+              <a:lnSpc>
+                <a:spcPct val="115000"/>
+              </a:lnSpc>
+              <a:spcBef>
+                <a:spcPts val="0"/>
+              </a:spcBef>
+              <a:spcAft>
+                <a:spcPts val="0"/>
+              </a:spcAft>
+              <a:buClr>
+                <a:schemeClr val="dk2"/>
+              </a:buClr>
+              <a:buSzPts val="1700"/>
+              <a:buFont typeface="Roboto"/>
+              <a:buNone/>
+              <a:defRPr sz="1700" b="0" i="0" u="none" strike="noStrike" cap="none">
+                <a:solidFill>
+                  <a:schemeClr val="dk2"/>
+                </a:solidFill>
+                <a:latin typeface="Roboto"/>
+                <a:ea typeface="Roboto"/>
+                <a:cs typeface="Roboto"/>
+                <a:sym typeface="Roboto"/>
+              </a:defRPr>
+            </a:lvl5pPr>
+            <a:lvl6pPr marL="2743200" marR="0" lvl="5" indent="-317500" algn="l" rtl="0">
+              <a:lnSpc>
+                <a:spcPct val="115000"/>
+              </a:lnSpc>
+              <a:spcBef>
+                <a:spcPts val="0"/>
+              </a:spcBef>
+              <a:spcAft>
+                <a:spcPts val="0"/>
+              </a:spcAft>
+              <a:buClr>
+                <a:schemeClr val="dk2"/>
+              </a:buClr>
+              <a:buSzPts val="1700"/>
+              <a:buFont typeface="Roboto"/>
+              <a:buNone/>
+              <a:defRPr sz="1700" b="0" i="0" u="none" strike="noStrike" cap="none">
+                <a:solidFill>
+                  <a:schemeClr val="dk2"/>
+                </a:solidFill>
+                <a:latin typeface="Roboto"/>
+                <a:ea typeface="Roboto"/>
+                <a:cs typeface="Roboto"/>
+                <a:sym typeface="Roboto"/>
+              </a:defRPr>
+            </a:lvl6pPr>
+            <a:lvl7pPr marL="3200400" marR="0" lvl="6" indent="-317500" algn="l" rtl="0">
+              <a:lnSpc>
+                <a:spcPct val="115000"/>
+              </a:lnSpc>
+              <a:spcBef>
+                <a:spcPts val="0"/>
+              </a:spcBef>
+              <a:spcAft>
+                <a:spcPts val="0"/>
+              </a:spcAft>
+              <a:buClr>
+                <a:schemeClr val="dk2"/>
+              </a:buClr>
+              <a:buSzPts val="1700"/>
+              <a:buFont typeface="Roboto"/>
+              <a:buNone/>
+              <a:defRPr sz="1700" b="0" i="0" u="none" strike="noStrike" cap="none">
+                <a:solidFill>
+                  <a:schemeClr val="dk2"/>
+                </a:solidFill>
+                <a:latin typeface="Roboto"/>
+                <a:ea typeface="Roboto"/>
+                <a:cs typeface="Roboto"/>
+                <a:sym typeface="Roboto"/>
+              </a:defRPr>
+            </a:lvl7pPr>
+            <a:lvl8pPr marL="3657600" marR="0" lvl="7" indent="-317500" algn="l" rtl="0">
+              <a:lnSpc>
+                <a:spcPct val="115000"/>
+              </a:lnSpc>
+              <a:spcBef>
+                <a:spcPts val="0"/>
+              </a:spcBef>
+              <a:spcAft>
+                <a:spcPts val="0"/>
+              </a:spcAft>
+              <a:buClr>
+                <a:schemeClr val="dk2"/>
+              </a:buClr>
+              <a:buSzPts val="1700"/>
+              <a:buFont typeface="Roboto"/>
+              <a:buNone/>
+              <a:defRPr sz="1700" b="0" i="0" u="none" strike="noStrike" cap="none">
+                <a:solidFill>
+                  <a:schemeClr val="dk2"/>
+                </a:solidFill>
+                <a:latin typeface="Roboto"/>
+                <a:ea typeface="Roboto"/>
+                <a:cs typeface="Roboto"/>
+                <a:sym typeface="Roboto"/>
+              </a:defRPr>
+            </a:lvl8pPr>
+            <a:lvl9pPr marL="4114800" marR="0" lvl="8" indent="-317500" algn="l" rtl="0">
+              <a:lnSpc>
+                <a:spcPct val="115000"/>
+              </a:lnSpc>
+              <a:spcBef>
+                <a:spcPts val="0"/>
+              </a:spcBef>
+              <a:spcAft>
+                <a:spcPts val="0"/>
+              </a:spcAft>
+              <a:buClr>
+                <a:schemeClr val="dk2"/>
+              </a:buClr>
+              <a:buSzPts val="1700"/>
+              <a:buFont typeface="Roboto"/>
+              <a:buNone/>
+              <a:defRPr sz="1700" b="0" i="0" u="none" strike="noStrike" cap="none">
+                <a:solidFill>
+                  <a:schemeClr val="dk2"/>
+                </a:solidFill>
+                <a:latin typeface="Roboto"/>
+                <a:ea typeface="Roboto"/>
+                <a:cs typeface="Roboto"/>
+                <a:sym typeface="Roboto"/>
+              </a:defRPr>
+            </a:lvl9pPr>
+          </a:lstStyle>
+          <a:p>
+            <a:pPr marL="120650" indent="0">
+              <a:lnSpc>
+                <a:spcPct val="100000"/>
+              </a:lnSpc>
+            </a:pPr>
+            <a:r>
+              <a:rPr lang="ru-RU" sz="1700" dirty="0">
+                <a:latin typeface="Roboto" panose="020B0604020202020204" charset="0"/>
+                <a:ea typeface="Roboto" panose="020B0604020202020204" charset="0"/>
+              </a:rPr>
+              <a:t>Настроен обмен через брокер сообщений </a:t>
+            </a:r>
+            <a:r>
+              <a:rPr lang="ru-RU" sz="1700" dirty="0" err="1">
+                <a:latin typeface="Roboto" panose="020B0604020202020204" charset="0"/>
+                <a:ea typeface="Roboto" panose="020B0604020202020204" charset="0"/>
+              </a:rPr>
+              <a:t>RabbitMQ</a:t>
+            </a:r>
+            <a:endParaRPr lang="ru-RU" sz="1700" dirty="0">
+              <a:latin typeface="Roboto" panose="020B0604020202020204" charset="0"/>
+              <a:ea typeface="Roboto" panose="020B0604020202020204" charset="0"/>
+            </a:endParaRPr>
+          </a:p>
+        </p:txBody>
+      </p:sp>
+    </p:spTree>
+    <p:extLst>
+      <p:ext uri="{BB962C8B-B14F-4D97-AF65-F5344CB8AC3E}">
+        <p14:creationId xmlns:p14="http://schemas.microsoft.com/office/powerpoint/2010/main" val="109601030"/>
+      </p:ext>
+    </p:extLst>
+  </p:cSld>
+  <p:clrMapOvr>
+    <a:masterClrMapping/>
+  </p:clrMapOvr>
+</p:sld>
+</file>
+
+<file path=ppt/slides/slide12.xml><?xml version="1.0" encoding="utf-8"?>
+<p:sld xmlns:a="http://schemas.openxmlformats.org/drawingml/2006/main" xmlns:r="http://schemas.openxmlformats.org/officeDocument/2006/relationships" xmlns:p="http://schemas.openxmlformats.org/presentationml/2006/main">
+  <p:cSld>
+    <p:spTree>
+      <p:nvGrpSpPr>
+        <p:cNvPr id="1" name="Shape 195"/>
+        <p:cNvGrpSpPr/>
+        <p:nvPr/>
+      </p:nvGrpSpPr>
+      <p:grpSpPr>
+        <a:xfrm>
+          <a:off x="0" y="0"/>
+          <a:ext cx="0" cy="0"/>
+          <a:chOff x="0" y="0"/>
+          <a:chExt cx="0" cy="0"/>
+        </a:xfrm>
+      </p:grpSpPr>
+      <p:sp>
+        <p:nvSpPr>
+          <p:cNvPr id="196" name="Google Shape;196;p38"/>
+          <p:cNvSpPr txBox="1">
+            <a:spLocks noGrp="1"/>
+          </p:cNvSpPr>
+          <p:nvPr>
+            <p:ph type="title"/>
+          </p:nvPr>
+        </p:nvSpPr>
+        <p:spPr>
+          <a:xfrm>
+            <a:off x="500550" y="440981"/>
+            <a:ext cx="8520600" cy="809321"/>
+          </a:xfrm>
+          <a:prstGeom prst="rect">
+            <a:avLst/>
+          </a:prstGeom>
+        </p:spPr>
+        <p:txBody>
+          <a:bodyPr spcFirstLastPara="1" wrap="square" lIns="91425" tIns="91425" rIns="91425" bIns="91425" anchor="t" anchorCtr="0">
+            <a:noAutofit/>
+          </a:bodyPr>
+          <a:lstStyle/>
+          <a:p>
+            <a:pPr lvl="0">
+              <a:buSzPts val="1100"/>
+            </a:pPr>
+            <a:r>
+              <a:rPr lang="ru" dirty="0"/>
+              <a:t>Что получилось</a:t>
+            </a:r>
+            <a:endParaRPr dirty="0"/>
+          </a:p>
+        </p:txBody>
+      </p:sp>
+      <p:sp>
+        <p:nvSpPr>
+          <p:cNvPr id="4" name="Google Shape;190;p37">
+            <a:extLst>
+              <a:ext uri="{FF2B5EF4-FFF2-40B4-BE49-F238E27FC236}">
+                <a16:creationId xmlns:a16="http://schemas.microsoft.com/office/drawing/2014/main" id="{3A7C53F5-6D12-44A1-8E13-A507015E71C2}"/>
+              </a:ext>
+            </a:extLst>
+          </p:cNvPr>
+          <p:cNvSpPr txBox="1">
+            <a:spLocks/>
+          </p:cNvSpPr>
+          <p:nvPr/>
+        </p:nvSpPr>
+        <p:spPr>
+          <a:xfrm>
+            <a:off x="631177" y="1368550"/>
+            <a:ext cx="8055621" cy="982764"/>
+          </a:xfrm>
+          <a:prstGeom prst="rect">
+            <a:avLst/>
+          </a:prstGeom>
+          <a:noFill/>
+          <a:ln>
+            <a:noFill/>
+          </a:ln>
+        </p:spPr>
+        <p:txBody>
+          <a:bodyPr spcFirstLastPara="1" wrap="square" lIns="91425" tIns="91425" rIns="91425" bIns="91425" anchor="t" anchorCtr="0">
+            <a:normAutofit/>
+          </a:bodyPr>
+          <a:lstStyle>
+            <a:defPPr marR="0" lvl="0" algn="l" rtl="0">
+              <a:lnSpc>
+                <a:spcPct val="100000"/>
+              </a:lnSpc>
+              <a:spcBef>
+                <a:spcPts val="0"/>
+              </a:spcBef>
+              <a:spcAft>
+                <a:spcPts val="0"/>
+              </a:spcAft>
+            </a:defPPr>
+            <a:lvl1pPr marL="457200" marR="0" lvl="0" indent="-336550" algn="l" rtl="0">
+              <a:lnSpc>
+                <a:spcPct val="115000"/>
+              </a:lnSpc>
+              <a:spcBef>
+                <a:spcPts val="0"/>
+              </a:spcBef>
+              <a:spcAft>
+                <a:spcPts val="0"/>
+              </a:spcAft>
+              <a:buClr>
+                <a:schemeClr val="dk1"/>
+              </a:buClr>
+              <a:buSzPts val="1500"/>
+              <a:buFont typeface="Courier New"/>
+              <a:buNone/>
+              <a:defRPr sz="1500" b="0" i="0" u="none" strike="noStrike" cap="none">
+                <a:solidFill>
+                  <a:schemeClr val="dk1"/>
+                </a:solidFill>
+                <a:latin typeface="Courier New"/>
+                <a:ea typeface="Courier New"/>
+                <a:cs typeface="Courier New"/>
+                <a:sym typeface="Courier New"/>
+              </a:defRPr>
+            </a:lvl1pPr>
+            <a:lvl2pPr marL="914400" marR="0" lvl="1" indent="-317500" algn="l" rtl="0">
+              <a:lnSpc>
+                <a:spcPct val="115000"/>
+              </a:lnSpc>
+              <a:spcBef>
+                <a:spcPts val="0"/>
+              </a:spcBef>
+              <a:spcAft>
+                <a:spcPts val="0"/>
+              </a:spcAft>
+              <a:buClr>
+                <a:schemeClr val="dk1"/>
+              </a:buClr>
+              <a:buSzPts val="1700"/>
+              <a:buFont typeface="Roboto"/>
+              <a:buNone/>
+              <a:defRPr sz="1700" b="0" i="0" u="none" strike="noStrike" cap="none">
+                <a:solidFill>
+                  <a:schemeClr val="dk1"/>
+                </a:solidFill>
+                <a:latin typeface="Roboto"/>
+                <a:ea typeface="Roboto"/>
+                <a:cs typeface="Roboto"/>
+                <a:sym typeface="Roboto"/>
+              </a:defRPr>
+            </a:lvl2pPr>
+            <a:lvl3pPr marL="1371600" marR="0" lvl="2" indent="-317500" algn="l" rtl="0">
+              <a:lnSpc>
+                <a:spcPct val="115000"/>
+              </a:lnSpc>
+              <a:spcBef>
+                <a:spcPts val="0"/>
+              </a:spcBef>
+              <a:spcAft>
+                <a:spcPts val="0"/>
+              </a:spcAft>
+              <a:buClr>
+                <a:schemeClr val="dk2"/>
+              </a:buClr>
+              <a:buSzPts val="1700"/>
+              <a:buFont typeface="Roboto"/>
+              <a:buNone/>
+              <a:defRPr sz="1700" b="0" i="0" u="none" strike="noStrike" cap="none">
+                <a:solidFill>
+                  <a:schemeClr val="dk2"/>
+                </a:solidFill>
+                <a:latin typeface="Roboto"/>
+                <a:ea typeface="Roboto"/>
+                <a:cs typeface="Roboto"/>
+                <a:sym typeface="Roboto"/>
+              </a:defRPr>
+            </a:lvl3pPr>
+            <a:lvl4pPr marL="1828800" marR="0" lvl="3" indent="-317500" algn="l" rtl="0">
+              <a:lnSpc>
+                <a:spcPct val="115000"/>
+              </a:lnSpc>
+              <a:spcBef>
+                <a:spcPts val="0"/>
+              </a:spcBef>
+              <a:spcAft>
+                <a:spcPts val="0"/>
+              </a:spcAft>
+              <a:buClr>
+                <a:schemeClr val="dk2"/>
+              </a:buClr>
+              <a:buSzPts val="1700"/>
+              <a:buFont typeface="Roboto"/>
+              <a:buNone/>
+              <a:defRPr sz="1700" b="0" i="0" u="none" strike="noStrike" cap="none">
+                <a:solidFill>
+                  <a:schemeClr val="dk2"/>
+                </a:solidFill>
+                <a:latin typeface="Roboto"/>
+                <a:ea typeface="Roboto"/>
+                <a:cs typeface="Roboto"/>
+                <a:sym typeface="Roboto"/>
+              </a:defRPr>
+            </a:lvl4pPr>
+            <a:lvl5pPr marL="2286000" marR="0" lvl="4" indent="-317500" algn="l" rtl="0">
+              <a:lnSpc>
+                <a:spcPct val="115000"/>
+              </a:lnSpc>
+              <a:spcBef>
+                <a:spcPts val="0"/>
+              </a:spcBef>
+              <a:spcAft>
+                <a:spcPts val="0"/>
+              </a:spcAft>
+              <a:buClr>
+                <a:schemeClr val="dk2"/>
+              </a:buClr>
+              <a:buSzPts val="1700"/>
+              <a:buFont typeface="Roboto"/>
+              <a:buNone/>
+              <a:defRPr sz="1700" b="0" i="0" u="none" strike="noStrike" cap="none">
+                <a:solidFill>
+                  <a:schemeClr val="dk2"/>
+                </a:solidFill>
+                <a:latin typeface="Roboto"/>
+                <a:ea typeface="Roboto"/>
+                <a:cs typeface="Roboto"/>
+                <a:sym typeface="Roboto"/>
+              </a:defRPr>
+            </a:lvl5pPr>
+            <a:lvl6pPr marL="2743200" marR="0" lvl="5" indent="-317500" algn="l" rtl="0">
+              <a:lnSpc>
+                <a:spcPct val="115000"/>
+              </a:lnSpc>
+              <a:spcBef>
+                <a:spcPts val="0"/>
+              </a:spcBef>
+              <a:spcAft>
+                <a:spcPts val="0"/>
+              </a:spcAft>
+              <a:buClr>
+                <a:schemeClr val="dk2"/>
+              </a:buClr>
+              <a:buSzPts val="1700"/>
+              <a:buFont typeface="Roboto"/>
+              <a:buNone/>
+              <a:defRPr sz="1700" b="0" i="0" u="none" strike="noStrike" cap="none">
+                <a:solidFill>
+                  <a:schemeClr val="dk2"/>
+                </a:solidFill>
+                <a:latin typeface="Roboto"/>
+                <a:ea typeface="Roboto"/>
+                <a:cs typeface="Roboto"/>
+                <a:sym typeface="Roboto"/>
+              </a:defRPr>
+            </a:lvl6pPr>
+            <a:lvl7pPr marL="3200400" marR="0" lvl="6" indent="-317500" algn="l" rtl="0">
+              <a:lnSpc>
+                <a:spcPct val="115000"/>
+              </a:lnSpc>
+              <a:spcBef>
+                <a:spcPts val="0"/>
+              </a:spcBef>
+              <a:spcAft>
+                <a:spcPts val="0"/>
+              </a:spcAft>
+              <a:buClr>
+                <a:schemeClr val="dk2"/>
+              </a:buClr>
+              <a:buSzPts val="1700"/>
+              <a:buFont typeface="Roboto"/>
+              <a:buNone/>
+              <a:defRPr sz="1700" b="0" i="0" u="none" strike="noStrike" cap="none">
+                <a:solidFill>
+                  <a:schemeClr val="dk2"/>
+                </a:solidFill>
+                <a:latin typeface="Roboto"/>
+                <a:ea typeface="Roboto"/>
+                <a:cs typeface="Roboto"/>
+                <a:sym typeface="Roboto"/>
+              </a:defRPr>
+            </a:lvl7pPr>
+            <a:lvl8pPr marL="3657600" marR="0" lvl="7" indent="-317500" algn="l" rtl="0">
+              <a:lnSpc>
+                <a:spcPct val="115000"/>
+              </a:lnSpc>
+              <a:spcBef>
+                <a:spcPts val="0"/>
+              </a:spcBef>
+              <a:spcAft>
+                <a:spcPts val="0"/>
+              </a:spcAft>
+              <a:buClr>
+                <a:schemeClr val="dk2"/>
+              </a:buClr>
+              <a:buSzPts val="1700"/>
+              <a:buFont typeface="Roboto"/>
+              <a:buNone/>
+              <a:defRPr sz="1700" b="0" i="0" u="none" strike="noStrike" cap="none">
+                <a:solidFill>
+                  <a:schemeClr val="dk2"/>
+                </a:solidFill>
+                <a:latin typeface="Roboto"/>
+                <a:ea typeface="Roboto"/>
+                <a:cs typeface="Roboto"/>
+                <a:sym typeface="Roboto"/>
+              </a:defRPr>
+            </a:lvl8pPr>
+            <a:lvl9pPr marL="4114800" marR="0" lvl="8" indent="-317500" algn="l" rtl="0">
+              <a:lnSpc>
+                <a:spcPct val="115000"/>
+              </a:lnSpc>
+              <a:spcBef>
+                <a:spcPts val="0"/>
+              </a:spcBef>
+              <a:spcAft>
+                <a:spcPts val="0"/>
+              </a:spcAft>
+              <a:buClr>
+                <a:schemeClr val="dk2"/>
+              </a:buClr>
+              <a:buSzPts val="1700"/>
+              <a:buFont typeface="Roboto"/>
+              <a:buNone/>
+              <a:defRPr sz="1700" b="0" i="0" u="none" strike="noStrike" cap="none">
+                <a:solidFill>
+                  <a:schemeClr val="dk2"/>
+                </a:solidFill>
+                <a:latin typeface="Roboto"/>
+                <a:ea typeface="Roboto"/>
+                <a:cs typeface="Roboto"/>
+                <a:sym typeface="Roboto"/>
+              </a:defRPr>
+            </a:lvl9pPr>
+          </a:lstStyle>
+          <a:p>
+            <a:pPr marL="120650" indent="0">
+              <a:lnSpc>
+                <a:spcPct val="100000"/>
+              </a:lnSpc>
+            </a:pPr>
+            <a:r>
+              <a:rPr lang="ru-RU" sz="1700" dirty="0">
+                <a:latin typeface="Roboto" panose="020B0604020202020204" charset="0"/>
+                <a:ea typeface="Roboto" panose="020B0604020202020204" charset="0"/>
+              </a:rPr>
+              <a:t>В проектной работе реализовано сценарное тестирование с использованием инструмента </a:t>
+            </a:r>
+            <a:r>
+              <a:rPr lang="en-US" sz="1700" dirty="0">
+                <a:latin typeface="Roboto" panose="020B0604020202020204" charset="0"/>
+                <a:ea typeface="Roboto" panose="020B0604020202020204" charset="0"/>
+              </a:rPr>
+              <a:t>Vanessa </a:t>
+            </a:r>
+            <a:r>
+              <a:rPr lang="en-US" sz="1700" dirty="0">
+                <a:latin typeface="Roboto" panose="020B0604020202020204" charset="0"/>
+                <a:ea typeface="Roboto" panose="020B0604020202020204" charset="0"/>
+                <a:sym typeface="Roboto"/>
+              </a:rPr>
+              <a:t>Automation</a:t>
+            </a:r>
+            <a:endParaRPr lang="ru-RU" sz="1700" dirty="0">
+              <a:latin typeface="Roboto" panose="020B0604020202020204" charset="0"/>
+              <a:ea typeface="Roboto" panose="020B0604020202020204" charset="0"/>
+            </a:endParaRPr>
+          </a:p>
+        </p:txBody>
+      </p:sp>
+      <p:pic>
+        <p:nvPicPr>
+          <p:cNvPr id="3" name="Рисунок 2">
+            <a:extLst>
+              <a:ext uri="{FF2B5EF4-FFF2-40B4-BE49-F238E27FC236}">
+                <a16:creationId xmlns:a16="http://schemas.microsoft.com/office/drawing/2014/main" id="{85CA7E5E-D2A4-405A-9613-401B0EDCA663}"/>
+              </a:ext>
+            </a:extLst>
+          </p:cNvPr>
+          <p:cNvPicPr>
+            <a:picLocks noChangeAspect="1"/>
+          </p:cNvPicPr>
+          <p:nvPr/>
+        </p:nvPicPr>
+        <p:blipFill>
+          <a:blip r:embed="rId3"/>
+          <a:stretch>
+            <a:fillRect/>
+          </a:stretch>
+        </p:blipFill>
+        <p:spPr>
+          <a:xfrm>
+            <a:off x="850948" y="2104636"/>
+            <a:ext cx="5464013" cy="4496190"/>
+          </a:xfrm>
+          <a:prstGeom prst="rect">
+            <a:avLst/>
+          </a:prstGeom>
+        </p:spPr>
+      </p:pic>
+    </p:spTree>
+    <p:extLst>
+      <p:ext uri="{BB962C8B-B14F-4D97-AF65-F5344CB8AC3E}">
+        <p14:creationId xmlns:p14="http://schemas.microsoft.com/office/powerpoint/2010/main" val="1998416335"/>
+      </p:ext>
+    </p:extLst>
+  </p:cSld>
+  <p:clrMapOvr>
+    <a:masterClrMapping/>
+  </p:clrMapOvr>
+</p:sld>
+</file>
+
+<file path=ppt/slides/slide13.xml><?xml version="1.0" encoding="utf-8"?>
+<p:sld xmlns:a="http://schemas.openxmlformats.org/drawingml/2006/main" xmlns:r="http://schemas.openxmlformats.org/officeDocument/2006/relationships" xmlns:p="http://schemas.openxmlformats.org/presentationml/2006/main">
+  <p:cSld>
+    <p:spTree>
+      <p:nvGrpSpPr>
+        <p:cNvPr id="1" name="Shape 188"/>
+        <p:cNvGrpSpPr/>
+        <p:nvPr/>
+      </p:nvGrpSpPr>
+      <p:grpSpPr>
+        <a:xfrm>
+          <a:off x="0" y="0"/>
+          <a:ext cx="0" cy="0"/>
+          <a:chOff x="0" y="0"/>
+          <a:chExt cx="0" cy="0"/>
+        </a:xfrm>
+      </p:grpSpPr>
+      <p:sp>
+        <p:nvSpPr>
+          <p:cNvPr id="189" name="Google Shape;189;p37"/>
+          <p:cNvSpPr txBox="1">
+            <a:spLocks noGrp="1"/>
+          </p:cNvSpPr>
+          <p:nvPr>
+            <p:ph type="title"/>
+          </p:nvPr>
+        </p:nvSpPr>
+        <p:spPr>
+          <a:xfrm>
+            <a:off x="500550" y="440981"/>
+            <a:ext cx="8520600" cy="1306200"/>
+          </a:xfrm>
+          <a:prstGeom prst="rect">
+            <a:avLst/>
+          </a:prstGeom>
+        </p:spPr>
+        <p:txBody>
+          <a:bodyPr spcFirstLastPara="1" wrap="square" lIns="91425" tIns="91425" rIns="91425" bIns="91425" anchor="t" anchorCtr="0">
+            <a:noAutofit/>
+          </a:bodyPr>
+          <a:lstStyle/>
+          <a:p>
+            <a:pPr marL="0" lvl="0" indent="0" algn="l" rtl="0">
+              <a:spcBef>
+                <a:spcPts val="0"/>
+              </a:spcBef>
+              <a:spcAft>
+                <a:spcPts val="0"/>
+              </a:spcAft>
+              <a:buNone/>
+            </a:pPr>
+            <a:r>
+              <a:rPr lang="ru"/>
+              <a:t>Что получилось</a:t>
+            </a:r>
+            <a:endParaRPr/>
+          </a:p>
+        </p:txBody>
+      </p:sp>
+      <p:sp>
+        <p:nvSpPr>
+          <p:cNvPr id="190" name="Google Shape;190;p37"/>
+          <p:cNvSpPr txBox="1">
+            <a:spLocks noGrp="1"/>
+          </p:cNvSpPr>
+          <p:nvPr>
+            <p:ph type="body" idx="1"/>
+          </p:nvPr>
+        </p:nvSpPr>
+        <p:spPr>
+          <a:xfrm>
+            <a:off x="500549" y="1825750"/>
+            <a:ext cx="8055621" cy="982764"/>
+          </a:xfrm>
+          <a:prstGeom prst="rect">
+            <a:avLst/>
+          </a:prstGeom>
+        </p:spPr>
+        <p:txBody>
+          <a:bodyPr spcFirstLastPara="1" wrap="square" lIns="91425" tIns="91425" rIns="91425" bIns="91425" anchor="t" anchorCtr="0">
+            <a:normAutofit/>
+          </a:bodyPr>
+          <a:lstStyle/>
+          <a:p>
+            <a:pPr marL="120650" lvl="0" indent="0">
+              <a:lnSpc>
+                <a:spcPct val="100000"/>
+              </a:lnSpc>
+              <a:spcBef>
+                <a:spcPts val="0"/>
+              </a:spcBef>
+              <a:buNone/>
+            </a:pPr>
+            <a:r>
+              <a:rPr lang="ru" dirty="0"/>
+              <a:t>Ссылка на репозиторий</a:t>
+            </a:r>
+            <a:r>
+              <a:rPr lang="en-US" dirty="0"/>
+              <a:t>: </a:t>
+            </a:r>
+            <a:r>
+              <a:rPr lang="en-US" dirty="0">
+                <a:hlinkClick r:id="rId3"/>
+              </a:rPr>
+              <a:t>https://github.com/RomanShelamov/RomanShelamov_OTUS</a:t>
+            </a:r>
+            <a:endParaRPr lang="en-US" dirty="0"/>
+          </a:p>
+          <a:p>
+            <a:pPr marL="120650" lvl="0" indent="0">
+              <a:lnSpc>
+                <a:spcPct val="100000"/>
+              </a:lnSpc>
+              <a:spcBef>
+                <a:spcPts val="0"/>
+              </a:spcBef>
+              <a:buNone/>
+            </a:pPr>
+            <a:endParaRPr dirty="0"/>
+          </a:p>
+        </p:txBody>
+      </p:sp>
+    </p:spTree>
+    <p:extLst>
+      <p:ext uri="{BB962C8B-B14F-4D97-AF65-F5344CB8AC3E}">
+        <p14:creationId xmlns:p14="http://schemas.microsoft.com/office/powerpoint/2010/main" val="2922456371"/>
+      </p:ext>
+    </p:extLst>
+  </p:cSld>
+  <p:clrMapOvr>
+    <a:masterClrMapping/>
+  </p:clrMapOvr>
+</p:sld>
+</file>
+
+<file path=ppt/slides/slide14.xml><?xml version="1.0" encoding="utf-8"?>
+<p:sld xmlns:a="http://schemas.openxmlformats.org/drawingml/2006/main" xmlns:r="http://schemas.openxmlformats.org/officeDocument/2006/relationships" xmlns:p="http://schemas.openxmlformats.org/presentationml/2006/main">
+  <p:cSld>
+    <p:spTree>
+      <p:nvGrpSpPr>
+        <p:cNvPr id="1" name="Shape 195"/>
+        <p:cNvGrpSpPr/>
+        <p:nvPr/>
+      </p:nvGrpSpPr>
+      <p:grpSpPr>
+        <a:xfrm>
+          <a:off x="0" y="0"/>
+          <a:ext cx="0" cy="0"/>
+          <a:chOff x="0" y="0"/>
+          <a:chExt cx="0" cy="0"/>
+        </a:xfrm>
+      </p:grpSpPr>
+      <p:sp>
+        <p:nvSpPr>
+          <p:cNvPr id="196" name="Google Shape;196;p38"/>
+          <p:cNvSpPr txBox="1">
+            <a:spLocks noGrp="1"/>
+          </p:cNvSpPr>
+          <p:nvPr>
+            <p:ph type="title"/>
+          </p:nvPr>
+        </p:nvSpPr>
+        <p:spPr>
+          <a:xfrm>
+            <a:off x="500550" y="440981"/>
+            <a:ext cx="8520600" cy="1306200"/>
+          </a:xfrm>
+          <a:prstGeom prst="rect">
+            <a:avLst/>
+          </a:prstGeom>
+        </p:spPr>
+        <p:txBody>
+          <a:bodyPr spcFirstLastPara="1" wrap="square" lIns="91425" tIns="91425" rIns="91425" bIns="91425" anchor="t" anchorCtr="0">
+            <a:noAutofit/>
+          </a:bodyPr>
+          <a:lstStyle/>
+          <a:p>
+            <a:pPr lvl="0">
+              <a:buSzPts val="1100"/>
+            </a:pPr>
+            <a:r>
+              <a:rPr lang="ru-RU" dirty="0"/>
+              <a:t>Бизнес процесс </a:t>
+            </a:r>
+            <a:r>
+              <a:rPr lang="en-US" dirty="0"/>
+              <a:t>AS IS</a:t>
+            </a:r>
+            <a:endParaRPr dirty="0"/>
+          </a:p>
+          <a:p>
+            <a:pPr marL="0" lvl="0" indent="0" algn="l" rtl="0">
+              <a:spcBef>
+                <a:spcPts val="0"/>
+              </a:spcBef>
+              <a:spcAft>
+                <a:spcPts val="0"/>
+              </a:spcAft>
+              <a:buNone/>
+            </a:pPr>
+            <a:endParaRPr dirty="0"/>
+          </a:p>
+        </p:txBody>
+      </p:sp>
+      <p:pic>
+        <p:nvPicPr>
+          <p:cNvPr id="2" name="Рисунок 1">
+            <a:extLst>
+              <a:ext uri="{FF2B5EF4-FFF2-40B4-BE49-F238E27FC236}">
+                <a16:creationId xmlns:a16="http://schemas.microsoft.com/office/drawing/2014/main" id="{88400051-18DE-4D8C-B070-D7A5D8003936}"/>
+              </a:ext>
+            </a:extLst>
+          </p:cNvPr>
+          <p:cNvPicPr>
+            <a:picLocks noChangeAspect="1"/>
+          </p:cNvPicPr>
+          <p:nvPr/>
+        </p:nvPicPr>
+        <p:blipFill>
+          <a:blip r:embed="rId3"/>
+          <a:stretch>
+            <a:fillRect/>
+          </a:stretch>
+        </p:blipFill>
+        <p:spPr>
+          <a:xfrm>
+            <a:off x="771993" y="1163317"/>
+            <a:ext cx="5983369" cy="5334569"/>
+          </a:xfrm>
+          <a:prstGeom prst="rect">
+            <a:avLst/>
+          </a:prstGeom>
+        </p:spPr>
+      </p:pic>
+    </p:spTree>
+  </p:cSld>
+  <p:clrMapOvr>
+    <a:masterClrMapping/>
+  </p:clrMapOvr>
+</p:sld>
+</file>
+
+<file path=ppt/slides/slide15.xml><?xml version="1.0" encoding="utf-8"?>
+<p:sld xmlns:a="http://schemas.openxmlformats.org/drawingml/2006/main" xmlns:r="http://schemas.openxmlformats.org/officeDocument/2006/relationships" xmlns:p="http://schemas.openxmlformats.org/presentationml/2006/main">
+  <p:cSld>
+    <p:spTree>
+      <p:nvGrpSpPr>
         <p:cNvPr id="1" name="Shape 195"/>
         <p:cNvGrpSpPr/>
         <p:nvPr/>
@@ -10041,642 +11500,7 @@
 </p:sld>
 </file>
 
-<file path=ppt/slides/slide11.xml><?xml version="1.0" encoding="utf-8"?>
-<p:sld xmlns:a="http://schemas.openxmlformats.org/drawingml/2006/main" xmlns:r="http://schemas.openxmlformats.org/officeDocument/2006/relationships" xmlns:p="http://schemas.openxmlformats.org/presentationml/2006/main">
-  <p:cSld>
-    <p:spTree>
-      <p:nvGrpSpPr>
-        <p:cNvPr id="1" name="Shape 195"/>
-        <p:cNvGrpSpPr/>
-        <p:nvPr/>
-      </p:nvGrpSpPr>
-      <p:grpSpPr>
-        <a:xfrm>
-          <a:off x="0" y="0"/>
-          <a:ext cx="0" cy="0"/>
-          <a:chOff x="0" y="0"/>
-          <a:chExt cx="0" cy="0"/>
-        </a:xfrm>
-      </p:grpSpPr>
-      <p:sp>
-        <p:nvSpPr>
-          <p:cNvPr id="196" name="Google Shape;196;p38"/>
-          <p:cNvSpPr txBox="1">
-            <a:spLocks noGrp="1"/>
-          </p:cNvSpPr>
-          <p:nvPr>
-            <p:ph type="title"/>
-          </p:nvPr>
-        </p:nvSpPr>
-        <p:spPr>
-          <a:xfrm>
-            <a:off x="500550" y="440981"/>
-            <a:ext cx="8520600" cy="809321"/>
-          </a:xfrm>
-          <a:prstGeom prst="rect">
-            <a:avLst/>
-          </a:prstGeom>
-        </p:spPr>
-        <p:txBody>
-          <a:bodyPr spcFirstLastPara="1" wrap="square" lIns="91425" tIns="91425" rIns="91425" bIns="91425" anchor="t" anchorCtr="0">
-            <a:noAutofit/>
-          </a:bodyPr>
-          <a:lstStyle/>
-          <a:p>
-            <a:pPr lvl="0">
-              <a:buSzPts val="1100"/>
-            </a:pPr>
-            <a:r>
-              <a:rPr lang="ru-RU" dirty="0"/>
-              <a:t>Создана подсистема приёма биллинга и создания счетов</a:t>
-            </a:r>
-            <a:endParaRPr dirty="0"/>
-          </a:p>
-        </p:txBody>
-      </p:sp>
-      <p:pic>
-        <p:nvPicPr>
-          <p:cNvPr id="5" name="Рисунок 4">
-            <a:extLst>
-              <a:ext uri="{FF2B5EF4-FFF2-40B4-BE49-F238E27FC236}">
-                <a16:creationId xmlns:a16="http://schemas.microsoft.com/office/drawing/2014/main" id="{4244552B-2A20-4082-926B-8B4E5334549C}"/>
-              </a:ext>
-            </a:extLst>
-          </p:cNvPr>
-          <p:cNvPicPr>
-            <a:picLocks noChangeAspect="1"/>
-          </p:cNvPicPr>
-          <p:nvPr/>
-        </p:nvPicPr>
-        <p:blipFill>
-          <a:blip r:embed="rId3"/>
-          <a:stretch>
-            <a:fillRect/>
-          </a:stretch>
-        </p:blipFill>
-        <p:spPr>
-          <a:xfrm>
-            <a:off x="301135" y="1612276"/>
-            <a:ext cx="4270865" cy="2485655"/>
-          </a:xfrm>
-          <a:prstGeom prst="rect">
-            <a:avLst/>
-          </a:prstGeom>
-        </p:spPr>
-      </p:pic>
-      <p:pic>
-        <p:nvPicPr>
-          <p:cNvPr id="7" name="Рисунок 6">
-            <a:extLst>
-              <a:ext uri="{FF2B5EF4-FFF2-40B4-BE49-F238E27FC236}">
-                <a16:creationId xmlns:a16="http://schemas.microsoft.com/office/drawing/2014/main" id="{BAB15AB8-74E4-4D98-9D1B-E3CAB344EC7C}"/>
-              </a:ext>
-            </a:extLst>
-          </p:cNvPr>
-          <p:cNvPicPr>
-            <a:picLocks noChangeAspect="1"/>
-          </p:cNvPicPr>
-          <p:nvPr/>
-        </p:nvPicPr>
-        <p:blipFill>
-          <a:blip r:embed="rId4"/>
-          <a:stretch>
-            <a:fillRect/>
-          </a:stretch>
-        </p:blipFill>
-        <p:spPr>
-          <a:xfrm>
-            <a:off x="1763881" y="2930664"/>
-            <a:ext cx="7324133" cy="3463944"/>
-          </a:xfrm>
-          <a:prstGeom prst="rect">
-            <a:avLst/>
-          </a:prstGeom>
-        </p:spPr>
-      </p:pic>
-    </p:spTree>
-    <p:extLst>
-      <p:ext uri="{BB962C8B-B14F-4D97-AF65-F5344CB8AC3E}">
-        <p14:creationId xmlns:p14="http://schemas.microsoft.com/office/powerpoint/2010/main" val="2791542477"/>
-      </p:ext>
-    </p:extLst>
-  </p:cSld>
-  <p:clrMapOvr>
-    <a:masterClrMapping/>
-  </p:clrMapOvr>
-</p:sld>
-</file>
-
-<file path=ppt/slides/slide12.xml><?xml version="1.0" encoding="utf-8"?>
-<p:sld xmlns:a="http://schemas.openxmlformats.org/drawingml/2006/main" xmlns:r="http://schemas.openxmlformats.org/officeDocument/2006/relationships" xmlns:p="http://schemas.openxmlformats.org/presentationml/2006/main">
-  <p:cSld>
-    <p:spTree>
-      <p:nvGrpSpPr>
-        <p:cNvPr id="1" name="Shape 195"/>
-        <p:cNvGrpSpPr/>
-        <p:nvPr/>
-      </p:nvGrpSpPr>
-      <p:grpSpPr>
-        <a:xfrm>
-          <a:off x="0" y="0"/>
-          <a:ext cx="0" cy="0"/>
-          <a:chOff x="0" y="0"/>
-          <a:chExt cx="0" cy="0"/>
-        </a:xfrm>
-      </p:grpSpPr>
-      <p:sp>
-        <p:nvSpPr>
-          <p:cNvPr id="196" name="Google Shape;196;p38"/>
-          <p:cNvSpPr txBox="1">
-            <a:spLocks noGrp="1"/>
-          </p:cNvSpPr>
-          <p:nvPr>
-            <p:ph type="title"/>
-          </p:nvPr>
-        </p:nvSpPr>
-        <p:spPr>
-          <a:xfrm>
-            <a:off x="500550" y="440981"/>
-            <a:ext cx="8520600" cy="809321"/>
-          </a:xfrm>
-          <a:prstGeom prst="rect">
-            <a:avLst/>
-          </a:prstGeom>
-        </p:spPr>
-        <p:txBody>
-          <a:bodyPr spcFirstLastPara="1" wrap="square" lIns="91425" tIns="91425" rIns="91425" bIns="91425" anchor="t" anchorCtr="0">
-            <a:noAutofit/>
-          </a:bodyPr>
-          <a:lstStyle/>
-          <a:p>
-            <a:pPr lvl="0">
-              <a:buSzPts val="1100"/>
-            </a:pPr>
-            <a:r>
-              <a:rPr lang="ru-RU" dirty="0"/>
-              <a:t>Настроен обмен через брокер сообщений </a:t>
-            </a:r>
-            <a:r>
-              <a:rPr lang="en-US" sz="3600" dirty="0"/>
-              <a:t>RabbitMQ</a:t>
-            </a:r>
-            <a:endParaRPr dirty="0"/>
-          </a:p>
-        </p:txBody>
-      </p:sp>
-      <p:pic>
-        <p:nvPicPr>
-          <p:cNvPr id="6" name="Рисунок 5">
-            <a:extLst>
-              <a:ext uri="{FF2B5EF4-FFF2-40B4-BE49-F238E27FC236}">
-                <a16:creationId xmlns:a16="http://schemas.microsoft.com/office/drawing/2014/main" id="{DBBC7429-95D7-4B4C-B525-7DC0D0DC175F}"/>
-              </a:ext>
-            </a:extLst>
-          </p:cNvPr>
-          <p:cNvPicPr>
-            <a:picLocks noChangeAspect="1"/>
-          </p:cNvPicPr>
-          <p:nvPr/>
-        </p:nvPicPr>
-        <p:blipFill>
-          <a:blip r:embed="rId3"/>
-          <a:stretch>
-            <a:fillRect/>
-          </a:stretch>
-        </p:blipFill>
-        <p:spPr>
-          <a:xfrm>
-            <a:off x="337829" y="1959385"/>
-            <a:ext cx="8683321" cy="3405761"/>
-          </a:xfrm>
-          <a:prstGeom prst="rect">
-            <a:avLst/>
-          </a:prstGeom>
-        </p:spPr>
-      </p:pic>
-    </p:spTree>
-    <p:extLst>
-      <p:ext uri="{BB962C8B-B14F-4D97-AF65-F5344CB8AC3E}">
-        <p14:creationId xmlns:p14="http://schemas.microsoft.com/office/powerpoint/2010/main" val="109601030"/>
-      </p:ext>
-    </p:extLst>
-  </p:cSld>
-  <p:clrMapOvr>
-    <a:masterClrMapping/>
-  </p:clrMapOvr>
-</p:sld>
-</file>
-
-<file path=ppt/slides/slide13.xml><?xml version="1.0" encoding="utf-8"?>
-<p:sld xmlns:a="http://schemas.openxmlformats.org/drawingml/2006/main" xmlns:r="http://schemas.openxmlformats.org/officeDocument/2006/relationships" xmlns:p="http://schemas.openxmlformats.org/presentationml/2006/main">
-  <p:cSld>
-    <p:spTree>
-      <p:nvGrpSpPr>
-        <p:cNvPr id="1" name="Shape 195"/>
-        <p:cNvGrpSpPr/>
-        <p:nvPr/>
-      </p:nvGrpSpPr>
-      <p:grpSpPr>
-        <a:xfrm>
-          <a:off x="0" y="0"/>
-          <a:ext cx="0" cy="0"/>
-          <a:chOff x="0" y="0"/>
-          <a:chExt cx="0" cy="0"/>
-        </a:xfrm>
-      </p:grpSpPr>
-      <p:sp>
-        <p:nvSpPr>
-          <p:cNvPr id="196" name="Google Shape;196;p38"/>
-          <p:cNvSpPr txBox="1">
-            <a:spLocks noGrp="1"/>
-          </p:cNvSpPr>
-          <p:nvPr>
-            <p:ph type="title"/>
-          </p:nvPr>
-        </p:nvSpPr>
-        <p:spPr>
-          <a:xfrm>
-            <a:off x="500550" y="440981"/>
-            <a:ext cx="8520600" cy="809321"/>
-          </a:xfrm>
-          <a:prstGeom prst="rect">
-            <a:avLst/>
-          </a:prstGeom>
-        </p:spPr>
-        <p:txBody>
-          <a:bodyPr spcFirstLastPara="1" wrap="square" lIns="91425" tIns="91425" rIns="91425" bIns="91425" anchor="t" anchorCtr="0">
-            <a:noAutofit/>
-          </a:bodyPr>
-          <a:lstStyle/>
-          <a:p>
-            <a:pPr lvl="0">
-              <a:buSzPts val="1100"/>
-            </a:pPr>
-            <a:r>
-              <a:rPr lang="ru-RU" dirty="0"/>
-              <a:t>Сценарное тестирование</a:t>
-            </a:r>
-            <a:endParaRPr dirty="0"/>
-          </a:p>
-        </p:txBody>
-      </p:sp>
-      <p:sp>
-        <p:nvSpPr>
-          <p:cNvPr id="4" name="Google Shape;190;p37">
-            <a:extLst>
-              <a:ext uri="{FF2B5EF4-FFF2-40B4-BE49-F238E27FC236}">
-                <a16:creationId xmlns:a16="http://schemas.microsoft.com/office/drawing/2014/main" id="{3A7C53F5-6D12-44A1-8E13-A507015E71C2}"/>
-              </a:ext>
-            </a:extLst>
-          </p:cNvPr>
-          <p:cNvSpPr txBox="1">
-            <a:spLocks/>
-          </p:cNvSpPr>
-          <p:nvPr/>
-        </p:nvSpPr>
-        <p:spPr>
-          <a:xfrm>
-            <a:off x="631177" y="1368550"/>
-            <a:ext cx="8055621" cy="982764"/>
-          </a:xfrm>
-          <a:prstGeom prst="rect">
-            <a:avLst/>
-          </a:prstGeom>
-          <a:noFill/>
-          <a:ln>
-            <a:noFill/>
-          </a:ln>
-        </p:spPr>
-        <p:txBody>
-          <a:bodyPr spcFirstLastPara="1" wrap="square" lIns="91425" tIns="91425" rIns="91425" bIns="91425" anchor="t" anchorCtr="0">
-            <a:normAutofit/>
-          </a:bodyPr>
-          <a:lstStyle>
-            <a:defPPr marR="0" lvl="0" algn="l" rtl="0">
-              <a:lnSpc>
-                <a:spcPct val="100000"/>
-              </a:lnSpc>
-              <a:spcBef>
-                <a:spcPts val="0"/>
-              </a:spcBef>
-              <a:spcAft>
-                <a:spcPts val="0"/>
-              </a:spcAft>
-            </a:defPPr>
-            <a:lvl1pPr marL="457200" marR="0" lvl="0" indent="-336550" algn="l" rtl="0">
-              <a:lnSpc>
-                <a:spcPct val="115000"/>
-              </a:lnSpc>
-              <a:spcBef>
-                <a:spcPts val="0"/>
-              </a:spcBef>
-              <a:spcAft>
-                <a:spcPts val="0"/>
-              </a:spcAft>
-              <a:buClr>
-                <a:schemeClr val="dk1"/>
-              </a:buClr>
-              <a:buSzPts val="1500"/>
-              <a:buFont typeface="Courier New"/>
-              <a:buNone/>
-              <a:defRPr sz="1500" b="0" i="0" u="none" strike="noStrike" cap="none">
-                <a:solidFill>
-                  <a:schemeClr val="dk1"/>
-                </a:solidFill>
-                <a:latin typeface="Courier New"/>
-                <a:ea typeface="Courier New"/>
-                <a:cs typeface="Courier New"/>
-                <a:sym typeface="Courier New"/>
-              </a:defRPr>
-            </a:lvl1pPr>
-            <a:lvl2pPr marL="914400" marR="0" lvl="1" indent="-317500" algn="l" rtl="0">
-              <a:lnSpc>
-                <a:spcPct val="115000"/>
-              </a:lnSpc>
-              <a:spcBef>
-                <a:spcPts val="0"/>
-              </a:spcBef>
-              <a:spcAft>
-                <a:spcPts val="0"/>
-              </a:spcAft>
-              <a:buClr>
-                <a:schemeClr val="dk1"/>
-              </a:buClr>
-              <a:buSzPts val="1700"/>
-              <a:buFont typeface="Roboto"/>
-              <a:buNone/>
-              <a:defRPr sz="1700" b="0" i="0" u="none" strike="noStrike" cap="none">
-                <a:solidFill>
-                  <a:schemeClr val="dk1"/>
-                </a:solidFill>
-                <a:latin typeface="Roboto"/>
-                <a:ea typeface="Roboto"/>
-                <a:cs typeface="Roboto"/>
-                <a:sym typeface="Roboto"/>
-              </a:defRPr>
-            </a:lvl2pPr>
-            <a:lvl3pPr marL="1371600" marR="0" lvl="2" indent="-317500" algn="l" rtl="0">
-              <a:lnSpc>
-                <a:spcPct val="115000"/>
-              </a:lnSpc>
-              <a:spcBef>
-                <a:spcPts val="0"/>
-              </a:spcBef>
-              <a:spcAft>
-                <a:spcPts val="0"/>
-              </a:spcAft>
-              <a:buClr>
-                <a:schemeClr val="dk2"/>
-              </a:buClr>
-              <a:buSzPts val="1700"/>
-              <a:buFont typeface="Roboto"/>
-              <a:buNone/>
-              <a:defRPr sz="1700" b="0" i="0" u="none" strike="noStrike" cap="none">
-                <a:solidFill>
-                  <a:schemeClr val="dk2"/>
-                </a:solidFill>
-                <a:latin typeface="Roboto"/>
-                <a:ea typeface="Roboto"/>
-                <a:cs typeface="Roboto"/>
-                <a:sym typeface="Roboto"/>
-              </a:defRPr>
-            </a:lvl3pPr>
-            <a:lvl4pPr marL="1828800" marR="0" lvl="3" indent="-317500" algn="l" rtl="0">
-              <a:lnSpc>
-                <a:spcPct val="115000"/>
-              </a:lnSpc>
-              <a:spcBef>
-                <a:spcPts val="0"/>
-              </a:spcBef>
-              <a:spcAft>
-                <a:spcPts val="0"/>
-              </a:spcAft>
-              <a:buClr>
-                <a:schemeClr val="dk2"/>
-              </a:buClr>
-              <a:buSzPts val="1700"/>
-              <a:buFont typeface="Roboto"/>
-              <a:buNone/>
-              <a:defRPr sz="1700" b="0" i="0" u="none" strike="noStrike" cap="none">
-                <a:solidFill>
-                  <a:schemeClr val="dk2"/>
-                </a:solidFill>
-                <a:latin typeface="Roboto"/>
-                <a:ea typeface="Roboto"/>
-                <a:cs typeface="Roboto"/>
-                <a:sym typeface="Roboto"/>
-              </a:defRPr>
-            </a:lvl4pPr>
-            <a:lvl5pPr marL="2286000" marR="0" lvl="4" indent="-317500" algn="l" rtl="0">
-              <a:lnSpc>
-                <a:spcPct val="115000"/>
-              </a:lnSpc>
-              <a:spcBef>
-                <a:spcPts val="0"/>
-              </a:spcBef>
-              <a:spcAft>
-                <a:spcPts val="0"/>
-              </a:spcAft>
-              <a:buClr>
-                <a:schemeClr val="dk2"/>
-              </a:buClr>
-              <a:buSzPts val="1700"/>
-              <a:buFont typeface="Roboto"/>
-              <a:buNone/>
-              <a:defRPr sz="1700" b="0" i="0" u="none" strike="noStrike" cap="none">
-                <a:solidFill>
-                  <a:schemeClr val="dk2"/>
-                </a:solidFill>
-                <a:latin typeface="Roboto"/>
-                <a:ea typeface="Roboto"/>
-                <a:cs typeface="Roboto"/>
-                <a:sym typeface="Roboto"/>
-              </a:defRPr>
-            </a:lvl5pPr>
-            <a:lvl6pPr marL="2743200" marR="0" lvl="5" indent="-317500" algn="l" rtl="0">
-              <a:lnSpc>
-                <a:spcPct val="115000"/>
-              </a:lnSpc>
-              <a:spcBef>
-                <a:spcPts val="0"/>
-              </a:spcBef>
-              <a:spcAft>
-                <a:spcPts val="0"/>
-              </a:spcAft>
-              <a:buClr>
-                <a:schemeClr val="dk2"/>
-              </a:buClr>
-              <a:buSzPts val="1700"/>
-              <a:buFont typeface="Roboto"/>
-              <a:buNone/>
-              <a:defRPr sz="1700" b="0" i="0" u="none" strike="noStrike" cap="none">
-                <a:solidFill>
-                  <a:schemeClr val="dk2"/>
-                </a:solidFill>
-                <a:latin typeface="Roboto"/>
-                <a:ea typeface="Roboto"/>
-                <a:cs typeface="Roboto"/>
-                <a:sym typeface="Roboto"/>
-              </a:defRPr>
-            </a:lvl6pPr>
-            <a:lvl7pPr marL="3200400" marR="0" lvl="6" indent="-317500" algn="l" rtl="0">
-              <a:lnSpc>
-                <a:spcPct val="115000"/>
-              </a:lnSpc>
-              <a:spcBef>
-                <a:spcPts val="0"/>
-              </a:spcBef>
-              <a:spcAft>
-                <a:spcPts val="0"/>
-              </a:spcAft>
-              <a:buClr>
-                <a:schemeClr val="dk2"/>
-              </a:buClr>
-              <a:buSzPts val="1700"/>
-              <a:buFont typeface="Roboto"/>
-              <a:buNone/>
-              <a:defRPr sz="1700" b="0" i="0" u="none" strike="noStrike" cap="none">
-                <a:solidFill>
-                  <a:schemeClr val="dk2"/>
-                </a:solidFill>
-                <a:latin typeface="Roboto"/>
-                <a:ea typeface="Roboto"/>
-                <a:cs typeface="Roboto"/>
-                <a:sym typeface="Roboto"/>
-              </a:defRPr>
-            </a:lvl7pPr>
-            <a:lvl8pPr marL="3657600" marR="0" lvl="7" indent="-317500" algn="l" rtl="0">
-              <a:lnSpc>
-                <a:spcPct val="115000"/>
-              </a:lnSpc>
-              <a:spcBef>
-                <a:spcPts val="0"/>
-              </a:spcBef>
-              <a:spcAft>
-                <a:spcPts val="0"/>
-              </a:spcAft>
-              <a:buClr>
-                <a:schemeClr val="dk2"/>
-              </a:buClr>
-              <a:buSzPts val="1700"/>
-              <a:buFont typeface="Roboto"/>
-              <a:buNone/>
-              <a:defRPr sz="1700" b="0" i="0" u="none" strike="noStrike" cap="none">
-                <a:solidFill>
-                  <a:schemeClr val="dk2"/>
-                </a:solidFill>
-                <a:latin typeface="Roboto"/>
-                <a:ea typeface="Roboto"/>
-                <a:cs typeface="Roboto"/>
-                <a:sym typeface="Roboto"/>
-              </a:defRPr>
-            </a:lvl8pPr>
-            <a:lvl9pPr marL="4114800" marR="0" lvl="8" indent="-317500" algn="l" rtl="0">
-              <a:lnSpc>
-                <a:spcPct val="115000"/>
-              </a:lnSpc>
-              <a:spcBef>
-                <a:spcPts val="0"/>
-              </a:spcBef>
-              <a:spcAft>
-                <a:spcPts val="0"/>
-              </a:spcAft>
-              <a:buClr>
-                <a:schemeClr val="dk2"/>
-              </a:buClr>
-              <a:buSzPts val="1700"/>
-              <a:buFont typeface="Roboto"/>
-              <a:buNone/>
-              <a:defRPr sz="1700" b="0" i="0" u="none" strike="noStrike" cap="none">
-                <a:solidFill>
-                  <a:schemeClr val="dk2"/>
-                </a:solidFill>
-                <a:latin typeface="Roboto"/>
-                <a:ea typeface="Roboto"/>
-                <a:cs typeface="Roboto"/>
-                <a:sym typeface="Roboto"/>
-              </a:defRPr>
-            </a:lvl9pPr>
-          </a:lstStyle>
-          <a:p>
-            <a:pPr marL="120650" indent="0">
-              <a:lnSpc>
-                <a:spcPct val="100000"/>
-              </a:lnSpc>
-            </a:pPr>
-            <a:r>
-              <a:rPr lang="ru-RU" sz="1700" dirty="0">
-                <a:latin typeface="Roboto" panose="020B0604020202020204" charset="0"/>
-                <a:ea typeface="Roboto" panose="020B0604020202020204" charset="0"/>
-              </a:rPr>
-              <a:t>В проектной работе реализовано сценарное тестирование с использованием инструмента </a:t>
-            </a:r>
-            <a:r>
-              <a:rPr lang="en-US" sz="1700" dirty="0">
-                <a:latin typeface="Roboto" panose="020B0604020202020204" charset="0"/>
-                <a:ea typeface="Roboto" panose="020B0604020202020204" charset="0"/>
-              </a:rPr>
-              <a:t>Vanessa </a:t>
-            </a:r>
-            <a:r>
-              <a:rPr lang="en-US" sz="1700" dirty="0">
-                <a:latin typeface="Roboto" panose="020B0604020202020204" charset="0"/>
-                <a:ea typeface="Roboto" panose="020B0604020202020204" charset="0"/>
-                <a:sym typeface="Roboto"/>
-              </a:rPr>
-              <a:t>Automation</a:t>
-            </a:r>
-            <a:endParaRPr lang="ru-RU" sz="1700" dirty="0">
-              <a:latin typeface="Roboto" panose="020B0604020202020204" charset="0"/>
-              <a:ea typeface="Roboto" panose="020B0604020202020204" charset="0"/>
-            </a:endParaRPr>
-          </a:p>
-        </p:txBody>
-      </p:sp>
-      <p:pic>
-        <p:nvPicPr>
-          <p:cNvPr id="2" name="Рисунок 1">
-            <a:extLst>
-              <a:ext uri="{FF2B5EF4-FFF2-40B4-BE49-F238E27FC236}">
-                <a16:creationId xmlns:a16="http://schemas.microsoft.com/office/drawing/2014/main" id="{83B92FC8-CDED-4C0C-8089-CDBFDF2B01CE}"/>
-              </a:ext>
-            </a:extLst>
-          </p:cNvPr>
-          <p:cNvPicPr>
-            <a:picLocks noChangeAspect="1"/>
-          </p:cNvPicPr>
-          <p:nvPr/>
-        </p:nvPicPr>
-        <p:blipFill>
-          <a:blip r:embed="rId3"/>
-          <a:stretch>
-            <a:fillRect/>
-          </a:stretch>
-        </p:blipFill>
-        <p:spPr>
-          <a:xfrm>
-            <a:off x="847958" y="2038556"/>
-            <a:ext cx="6094018" cy="4363234"/>
-          </a:xfrm>
-          <a:prstGeom prst="rect">
-            <a:avLst/>
-          </a:prstGeom>
-        </p:spPr>
-      </p:pic>
-    </p:spTree>
-    <p:extLst>
-      <p:ext uri="{BB962C8B-B14F-4D97-AF65-F5344CB8AC3E}">
-        <p14:creationId xmlns:p14="http://schemas.microsoft.com/office/powerpoint/2010/main" val="1998416335"/>
-      </p:ext>
-    </p:extLst>
-  </p:cSld>
-  <p:clrMapOvr>
-    <a:masterClrMapping/>
-  </p:clrMapOvr>
-</p:sld>
-</file>
-
-<file path=ppt/slides/slide14.xml><?xml version="1.0" encoding="utf-8"?>
+<file path=ppt/slides/slide16.xml><?xml version="1.0" encoding="utf-8"?>
 <p:sld xmlns:a="http://schemas.openxmlformats.org/drawingml/2006/main" xmlns:r="http://schemas.openxmlformats.org/officeDocument/2006/relationships" xmlns:p="http://schemas.openxmlformats.org/presentationml/2006/main">
   <p:cSld>
     <p:spTree>
@@ -11459,7 +12283,7 @@
 </p:sld>
 </file>
 
-<file path=ppt/slides/slide15.xml><?xml version="1.0" encoding="utf-8"?>
+<file path=ppt/slides/slide17.xml><?xml version="1.0" encoding="utf-8"?>
 <p:sld xmlns:a="http://schemas.openxmlformats.org/drawingml/2006/main" xmlns:r="http://schemas.openxmlformats.org/officeDocument/2006/relationships" xmlns:p="http://schemas.openxmlformats.org/presentationml/2006/main">
   <p:cSld>
     <p:spTree>
@@ -14899,7 +15723,7 @@
         <p:spPr>
           <a:xfrm>
             <a:off x="500549" y="1825750"/>
-            <a:ext cx="8055621" cy="982764"/>
+            <a:ext cx="4304716" cy="1747874"/>
           </a:xfrm>
           <a:prstGeom prst="rect">
             <a:avLst/>
@@ -14921,35 +15745,86 @@
               <a:buNone/>
             </a:pPr>
             <a:r>
-              <a:rPr lang="ru" dirty="0"/>
-              <a:t>Ссылка на репозиторий</a:t>
+              <a:rPr lang="ru-RU" dirty="0"/>
+              <a:t>Изменена типовая конфигурация 1С: Бухгалтерия 8.3, добавлены следующие подсистемы:</a:t>
+            </a:r>
+          </a:p>
+          <a:p>
+            <a:pPr>
+              <a:lnSpc>
+                <a:spcPct val="100000"/>
+              </a:lnSpc>
+              <a:spcBef>
+                <a:spcPts val="0"/>
+              </a:spcBef>
+            </a:pPr>
+            <a:r>
+              <a:rPr lang="ru-RU" dirty="0"/>
+              <a:t>Подсистема обмена с </a:t>
             </a:r>
             <a:r>
               <a:rPr lang="en-US" dirty="0"/>
-              <a:t>: </a:t>
+              <a:t>Rabbit MQ;</a:t>
             </a:r>
+          </a:p>
+          <a:p>
+            <a:pPr>
+              <a:lnSpc>
+                <a:spcPct val="100000"/>
+              </a:lnSpc>
+              <a:spcBef>
+                <a:spcPts val="0"/>
+              </a:spcBef>
+            </a:pPr>
             <a:r>
-              <a:rPr lang="en-US" dirty="0">
-                <a:hlinkClick r:id="rId3"/>
-              </a:rPr>
-              <a:t>https://github.com/RomanShelamov/RomanShelamov_OTUS</a:t>
+              <a:rPr lang="ru-RU" dirty="0"/>
+              <a:t>Подсистема спецификации продаж;</a:t>
             </a:r>
             <a:endParaRPr lang="en-US" dirty="0"/>
           </a:p>
           <a:p>
-            <a:pPr marL="120650" lvl="0" indent="0">
+            <a:pPr>
               <a:lnSpc>
                 <a:spcPct val="100000"/>
               </a:lnSpc>
               <a:spcBef>
                 <a:spcPts val="0"/>
               </a:spcBef>
-              <a:buNone/>
             </a:pPr>
             <a:endParaRPr dirty="0"/>
           </a:p>
         </p:txBody>
       </p:sp>
+      <p:pic>
+        <p:nvPicPr>
+          <p:cNvPr id="2" name="Рисунок 1">
+            <a:extLst>
+              <a:ext uri="{FF2B5EF4-FFF2-40B4-BE49-F238E27FC236}">
+                <a16:creationId xmlns:a16="http://schemas.microsoft.com/office/drawing/2014/main" id="{C4DF3B35-FB96-45E9-B992-033AE1325FB8}"/>
+              </a:ext>
+            </a:extLst>
+          </p:cNvPr>
+          <p:cNvPicPr>
+            <a:picLocks noChangeAspect="1"/>
+          </p:cNvPicPr>
+          <p:nvPr/>
+        </p:nvPicPr>
+        <p:blipFill>
+          <a:blip r:embed="rId3"/>
+          <a:stretch>
+            <a:fillRect/>
+          </a:stretch>
+        </p:blipFill>
+        <p:spPr>
+          <a:xfrm>
+            <a:off x="4805265" y="203330"/>
+            <a:ext cx="4076700" cy="6134100"/>
+          </a:xfrm>
+          <a:prstGeom prst="rect">
+            <a:avLst/>
+          </a:prstGeom>
+        </p:spPr>
+      </p:pic>
     </p:spTree>
   </p:cSld>
   <p:clrMapOvr>
@@ -14963,7 +15838,7 @@
   <p:cSld>
     <p:spTree>
       <p:nvGrpSpPr>
-        <p:cNvPr id="1" name="Shape 195"/>
+        <p:cNvPr id="1" name="Shape 188"/>
         <p:cNvGrpSpPr/>
         <p:nvPr/>
       </p:nvGrpSpPr>
@@ -14977,7 +15852,7 @@
       </p:grpSpPr>
       <p:sp>
         <p:nvSpPr>
-          <p:cNvPr id="196" name="Google Shape;196;p38"/>
+          <p:cNvPr id="189" name="Google Shape;189;p37"/>
           <p:cNvSpPr txBox="1">
             <a:spLocks noGrp="1"/>
           </p:cNvSpPr>
@@ -15000,29 +15875,65 @@
           </a:bodyPr>
           <a:lstStyle/>
           <a:p>
-            <a:pPr lvl="0">
-              <a:buSzPts val="1100"/>
+            <a:pPr marL="0" lvl="0" indent="0" algn="l" rtl="0">
+              <a:spcBef>
+                <a:spcPts val="0"/>
+              </a:spcBef>
+              <a:spcAft>
+                <a:spcPts val="0"/>
+              </a:spcAft>
+              <a:buNone/>
+            </a:pPr>
+            <a:r>
+              <a:rPr lang="ru"/>
+              <a:t>Что получилось</a:t>
+            </a:r>
+            <a:endParaRPr/>
+          </a:p>
+        </p:txBody>
+      </p:sp>
+      <p:sp>
+        <p:nvSpPr>
+          <p:cNvPr id="190" name="Google Shape;190;p37"/>
+          <p:cNvSpPr txBox="1">
+            <a:spLocks noGrp="1"/>
+          </p:cNvSpPr>
+          <p:nvPr>
+            <p:ph type="body" idx="1"/>
+          </p:nvPr>
+        </p:nvSpPr>
+        <p:spPr>
+          <a:xfrm>
+            <a:off x="500549" y="1129004"/>
+            <a:ext cx="8055621" cy="618178"/>
+          </a:xfrm>
+          <a:prstGeom prst="rect">
+            <a:avLst/>
+          </a:prstGeom>
+        </p:spPr>
+        <p:txBody>
+          <a:bodyPr spcFirstLastPara="1" wrap="square" lIns="91425" tIns="91425" rIns="91425" bIns="91425" anchor="t" anchorCtr="0">
+            <a:normAutofit/>
+          </a:bodyPr>
+          <a:lstStyle/>
+          <a:p>
+            <a:pPr marL="120650" indent="0">
+              <a:lnSpc>
+                <a:spcPct val="100000"/>
+              </a:lnSpc>
+              <a:spcBef>
+                <a:spcPts val="0"/>
+              </a:spcBef>
+              <a:buNone/>
             </a:pPr>
             <a:r>
               <a:rPr lang="ru-RU" dirty="0"/>
-              <a:t>Бизнес процесс </a:t>
+              <a:t>Подсистема обмена с </a:t>
             </a:r>
             <a:r>
               <a:rPr lang="en-US" dirty="0"/>
-              <a:t>AS IS</a:t>
+              <a:t>Rabbit MQ</a:t>
             </a:r>
-            <a:endParaRPr dirty="0"/>
-          </a:p>
-          <a:p>
-            <a:pPr marL="0" lvl="0" indent="0" algn="l" rtl="0">
-              <a:spcBef>
-                <a:spcPts val="0"/>
-              </a:spcBef>
-              <a:spcAft>
-                <a:spcPts val="0"/>
-              </a:spcAft>
-              <a:buNone/>
-            </a:pPr>
             <a:endParaRPr dirty="0"/>
           </a:p>
         </p:txBody>
@@ -15032,7 +15943,7 @@
           <p:cNvPr id="2" name="Рисунок 1">
             <a:extLst>
               <a:ext uri="{FF2B5EF4-FFF2-40B4-BE49-F238E27FC236}">
-                <a16:creationId xmlns:a16="http://schemas.microsoft.com/office/drawing/2014/main" id="{88400051-18DE-4D8C-B070-D7A5D8003936}"/>
+                <a16:creationId xmlns:a16="http://schemas.microsoft.com/office/drawing/2014/main" id="{21796249-76C0-4CEB-9DA2-F1EAE83CBD29}"/>
               </a:ext>
             </a:extLst>
           </p:cNvPr>
@@ -15049,8 +15960,8 @@
         </p:blipFill>
         <p:spPr>
           <a:xfrm>
-            <a:off x="771993" y="1163317"/>
-            <a:ext cx="5983369" cy="5334569"/>
+            <a:off x="900404" y="1830809"/>
+            <a:ext cx="7343192" cy="2971516"/>
           </a:xfrm>
           <a:prstGeom prst="rect">
             <a:avLst/>
@@ -15058,6 +15969,11 @@
         </p:spPr>
       </p:pic>
     </p:spTree>
+    <p:extLst>
+      <p:ext uri="{BB962C8B-B14F-4D97-AF65-F5344CB8AC3E}">
+        <p14:creationId xmlns:p14="http://schemas.microsoft.com/office/powerpoint/2010/main" val="3009450075"/>
+      </p:ext>
+    </p:extLst>
   </p:cSld>
   <p:clrMapOvr>
     <a:masterClrMapping/>
